--- a/Portopolio Disya.pptx
+++ b/Portopolio Disya.pptx
@@ -5,7 +5,7 @@
     <p:sldMasterId id="2147483676" r:id="rId1"/>
   </p:sldMasterIdLst>
   <p:notesMasterIdLst>
-    <p:notesMasterId r:id="rId15"/>
+    <p:notesMasterId r:id="rId17"/>
   </p:notesMasterIdLst>
   <p:sldIdLst>
     <p:sldId id="256" r:id="rId2"/>
@@ -17,22 +17,24 @@
     <p:sldId id="290" r:id="rId8"/>
     <p:sldId id="291" r:id="rId9"/>
     <p:sldId id="292" r:id="rId10"/>
-    <p:sldId id="258" r:id="rId11"/>
-    <p:sldId id="275" r:id="rId12"/>
-    <p:sldId id="293" r:id="rId13"/>
-    <p:sldId id="294" r:id="rId14"/>
+    <p:sldId id="295" r:id="rId11"/>
+    <p:sldId id="296" r:id="rId12"/>
+    <p:sldId id="258" r:id="rId13"/>
+    <p:sldId id="275" r:id="rId14"/>
+    <p:sldId id="293" r:id="rId15"/>
+    <p:sldId id="294" r:id="rId16"/>
   </p:sldIdLst>
   <p:sldSz cx="9144000" cy="5143500" type="screen16x9"/>
   <p:notesSz cx="6858000" cy="9144000"/>
   <p:embeddedFontLst>
     <p:embeddedFont>
       <p:font typeface="Quicksand" panose="020B0604020202020204" charset="0"/>
-      <p:regular r:id="rId16"/>
-      <p:bold r:id="rId17"/>
+      <p:regular r:id="rId18"/>
+      <p:bold r:id="rId19"/>
     </p:embeddedFont>
     <p:embeddedFont>
       <p:font typeface="Tenor Sans" panose="020B0604020202020204" charset="0"/>
-      <p:regular r:id="rId18"/>
+      <p:regular r:id="rId20"/>
     </p:embeddedFont>
   </p:embeddedFontLst>
   <p:defaultTextStyle>
@@ -822,6 +824,260 @@
   <p:cSld>
     <p:spTree>
       <p:nvGrpSpPr>
+        <p:cNvPr id="1" name="Shape 748">
+          <a:extLst>
+            <a:ext uri="{FF2B5EF4-FFF2-40B4-BE49-F238E27FC236}">
+              <a16:creationId xmlns:a16="http://schemas.microsoft.com/office/drawing/2014/main" id="{C6513D40-CCC7-A47D-1359-018E02B8039A}"/>
+            </a:ext>
+          </a:extLst>
+        </p:cNvPr>
+        <p:cNvGrpSpPr/>
+        <p:nvPr/>
+      </p:nvGrpSpPr>
+      <p:grpSpPr>
+        <a:xfrm>
+          <a:off x="0" y="0"/>
+          <a:ext cx="0" cy="0"/>
+          <a:chOff x="0" y="0"/>
+          <a:chExt cx="0" cy="0"/>
+        </a:xfrm>
+      </p:grpSpPr>
+      <p:sp>
+        <p:nvSpPr>
+          <p:cNvPr id="749" name="Google Shape;749;gbe8f754290_0_277:notes">
+            <a:extLst>
+              <a:ext uri="{FF2B5EF4-FFF2-40B4-BE49-F238E27FC236}">
+                <a16:creationId xmlns:a16="http://schemas.microsoft.com/office/drawing/2014/main" id="{3ACEB9CD-EE3F-5A8D-D5A2-C25A4A9BB71D}"/>
+              </a:ext>
+            </a:extLst>
+          </p:cNvPr>
+          <p:cNvSpPr>
+            <a:spLocks noGrp="1" noRot="1" noChangeAspect="1"/>
+          </p:cNvSpPr>
+          <p:nvPr>
+            <p:ph type="sldImg" idx="2"/>
+          </p:nvPr>
+        </p:nvSpPr>
+        <p:spPr>
+          <a:xfrm>
+            <a:off x="381000" y="685800"/>
+            <a:ext cx="6096000" cy="3429000"/>
+          </a:xfrm>
+          <a:custGeom>
+            <a:avLst/>
+            <a:gdLst/>
+            <a:ahLst/>
+            <a:cxnLst/>
+            <a:rect l="l" t="t" r="r" b="b"/>
+            <a:pathLst>
+              <a:path w="120000" h="120000" extrusionOk="0">
+                <a:moveTo>
+                  <a:pt x="0" y="0"/>
+                </a:moveTo>
+                <a:lnTo>
+                  <a:pt x="120000" y="0"/>
+                </a:lnTo>
+                <a:lnTo>
+                  <a:pt x="120000" y="120000"/>
+                </a:lnTo>
+                <a:lnTo>
+                  <a:pt x="0" y="120000"/>
+                </a:lnTo>
+                <a:close/>
+              </a:path>
+            </a:pathLst>
+          </a:custGeom>
+        </p:spPr>
+      </p:sp>
+      <p:sp>
+        <p:nvSpPr>
+          <p:cNvPr id="750" name="Google Shape;750;gbe8f754290_0_277:notes">
+            <a:extLst>
+              <a:ext uri="{FF2B5EF4-FFF2-40B4-BE49-F238E27FC236}">
+                <a16:creationId xmlns:a16="http://schemas.microsoft.com/office/drawing/2014/main" id="{DF1B0C27-65E7-0B6E-40EE-5998E5B3ED3C}"/>
+              </a:ext>
+            </a:extLst>
+          </p:cNvPr>
+          <p:cNvSpPr txBox="1">
+            <a:spLocks noGrp="1"/>
+          </p:cNvSpPr>
+          <p:nvPr>
+            <p:ph type="body" idx="1"/>
+          </p:nvPr>
+        </p:nvSpPr>
+        <p:spPr>
+          <a:xfrm>
+            <a:off x="685800" y="4343400"/>
+            <a:ext cx="5486400" cy="4114800"/>
+          </a:xfrm>
+          <a:prstGeom prst="rect">
+            <a:avLst/>
+          </a:prstGeom>
+        </p:spPr>
+        <p:txBody>
+          <a:bodyPr spcFirstLastPara="1" wrap="square" lIns="91425" tIns="91425" rIns="91425" bIns="91425" anchor="t" anchorCtr="0">
+            <a:noAutofit/>
+          </a:bodyPr>
+          <a:lstStyle/>
+          <a:p>
+            <a:pPr marL="0" lvl="0" indent="0" algn="l" rtl="0">
+              <a:spcBef>
+                <a:spcPts val="0"/>
+              </a:spcBef>
+              <a:spcAft>
+                <a:spcPts val="0"/>
+              </a:spcAft>
+              <a:buNone/>
+            </a:pPr>
+            <a:endParaRPr/>
+          </a:p>
+        </p:txBody>
+      </p:sp>
+    </p:spTree>
+    <p:extLst>
+      <p:ext uri="{BB962C8B-B14F-4D97-AF65-F5344CB8AC3E}">
+        <p14:creationId xmlns:p14="http://schemas.microsoft.com/office/powerpoint/2010/main" val="3646797472"/>
+      </p:ext>
+    </p:extLst>
+  </p:cSld>
+  <p:clrMapOvr>
+    <a:masterClrMapping/>
+  </p:clrMapOvr>
+</p:notes>
+</file>
+
+<file path=ppt/notesSlides/notesSlide11.xml><?xml version="1.0" encoding="utf-8"?>
+<p:notes xmlns:a="http://schemas.openxmlformats.org/drawingml/2006/main" xmlns:r="http://schemas.openxmlformats.org/officeDocument/2006/relationships" xmlns:p="http://schemas.openxmlformats.org/presentationml/2006/main" showMasterSp="0" showMasterPhAnim="0">
+  <p:cSld>
+    <p:spTree>
+      <p:nvGrpSpPr>
+        <p:cNvPr id="1" name="Shape 777">
+          <a:extLst>
+            <a:ext uri="{FF2B5EF4-FFF2-40B4-BE49-F238E27FC236}">
+              <a16:creationId xmlns:a16="http://schemas.microsoft.com/office/drawing/2014/main" id="{5017A117-6CDF-8658-35F9-3A79AA1B390B}"/>
+            </a:ext>
+          </a:extLst>
+        </p:cNvPr>
+        <p:cNvGrpSpPr/>
+        <p:nvPr/>
+      </p:nvGrpSpPr>
+      <p:grpSpPr>
+        <a:xfrm>
+          <a:off x="0" y="0"/>
+          <a:ext cx="0" cy="0"/>
+          <a:chOff x="0" y="0"/>
+          <a:chExt cx="0" cy="0"/>
+        </a:xfrm>
+      </p:grpSpPr>
+      <p:sp>
+        <p:nvSpPr>
+          <p:cNvPr id="778" name="Google Shape;778;gbe8f754290_0_375:notes">
+            <a:extLst>
+              <a:ext uri="{FF2B5EF4-FFF2-40B4-BE49-F238E27FC236}">
+                <a16:creationId xmlns:a16="http://schemas.microsoft.com/office/drawing/2014/main" id="{1FB32EB0-01B7-E8AA-B72C-B7CA6E801116}"/>
+              </a:ext>
+            </a:extLst>
+          </p:cNvPr>
+          <p:cNvSpPr>
+            <a:spLocks noGrp="1" noRot="1" noChangeAspect="1"/>
+          </p:cNvSpPr>
+          <p:nvPr>
+            <p:ph type="sldImg" idx="2"/>
+          </p:nvPr>
+        </p:nvSpPr>
+        <p:spPr>
+          <a:xfrm>
+            <a:off x="381000" y="685800"/>
+            <a:ext cx="6096000" cy="3429000"/>
+          </a:xfrm>
+          <a:custGeom>
+            <a:avLst/>
+            <a:gdLst/>
+            <a:ahLst/>
+            <a:cxnLst/>
+            <a:rect l="l" t="t" r="r" b="b"/>
+            <a:pathLst>
+              <a:path w="120000" h="120000" extrusionOk="0">
+                <a:moveTo>
+                  <a:pt x="0" y="0"/>
+                </a:moveTo>
+                <a:lnTo>
+                  <a:pt x="120000" y="0"/>
+                </a:lnTo>
+                <a:lnTo>
+                  <a:pt x="120000" y="120000"/>
+                </a:lnTo>
+                <a:lnTo>
+                  <a:pt x="0" y="120000"/>
+                </a:lnTo>
+                <a:close/>
+              </a:path>
+            </a:pathLst>
+          </a:custGeom>
+        </p:spPr>
+      </p:sp>
+      <p:sp>
+        <p:nvSpPr>
+          <p:cNvPr id="779" name="Google Shape;779;gbe8f754290_0_375:notes">
+            <a:extLst>
+              <a:ext uri="{FF2B5EF4-FFF2-40B4-BE49-F238E27FC236}">
+                <a16:creationId xmlns:a16="http://schemas.microsoft.com/office/drawing/2014/main" id="{F7E1D99C-F3D5-44EB-E2F9-35672F640560}"/>
+              </a:ext>
+            </a:extLst>
+          </p:cNvPr>
+          <p:cNvSpPr txBox="1">
+            <a:spLocks noGrp="1"/>
+          </p:cNvSpPr>
+          <p:nvPr>
+            <p:ph type="body" idx="1"/>
+          </p:nvPr>
+        </p:nvSpPr>
+        <p:spPr>
+          <a:xfrm>
+            <a:off x="685800" y="4343400"/>
+            <a:ext cx="5486400" cy="4114800"/>
+          </a:xfrm>
+          <a:prstGeom prst="rect">
+            <a:avLst/>
+          </a:prstGeom>
+        </p:spPr>
+        <p:txBody>
+          <a:bodyPr spcFirstLastPara="1" wrap="square" lIns="91425" tIns="91425" rIns="91425" bIns="91425" anchor="t" anchorCtr="0">
+            <a:noAutofit/>
+          </a:bodyPr>
+          <a:lstStyle/>
+          <a:p>
+            <a:pPr marL="0" lvl="0" indent="0" algn="l" rtl="0">
+              <a:spcBef>
+                <a:spcPts val="0"/>
+              </a:spcBef>
+              <a:spcAft>
+                <a:spcPts val="0"/>
+              </a:spcAft>
+              <a:buNone/>
+            </a:pPr>
+            <a:endParaRPr dirty="0"/>
+          </a:p>
+        </p:txBody>
+      </p:sp>
+    </p:spTree>
+    <p:extLst>
+      <p:ext uri="{BB962C8B-B14F-4D97-AF65-F5344CB8AC3E}">
+        <p14:creationId xmlns:p14="http://schemas.microsoft.com/office/powerpoint/2010/main" val="501339065"/>
+      </p:ext>
+    </p:extLst>
+  </p:cSld>
+  <p:clrMapOvr>
+    <a:masterClrMapping/>
+  </p:clrMapOvr>
+</p:notes>
+</file>
+
+<file path=ppt/notesSlides/notesSlide12.xml><?xml version="1.0" encoding="utf-8"?>
+<p:notes xmlns:a="http://schemas.openxmlformats.org/drawingml/2006/main" xmlns:r="http://schemas.openxmlformats.org/officeDocument/2006/relationships" xmlns:p="http://schemas.openxmlformats.org/presentationml/2006/main" showMasterSp="0" showMasterPhAnim="0">
+  <p:cSld>
+    <p:spTree>
+      <p:nvGrpSpPr>
         <p:cNvPr id="1" name="Shape 186"/>
         <p:cNvGrpSpPr/>
         <p:nvPr/>
@@ -921,7 +1177,7 @@
 </p:notes>
 </file>
 
-<file path=ppt/notesSlides/notesSlide11.xml><?xml version="1.0" encoding="utf-8"?>
+<file path=ppt/notesSlides/notesSlide13.xml><?xml version="1.0" encoding="utf-8"?>
 <p:notes xmlns:a="http://schemas.openxmlformats.org/drawingml/2006/main" xmlns:r="http://schemas.openxmlformats.org/officeDocument/2006/relationships" xmlns:p="http://schemas.openxmlformats.org/presentationml/2006/main" showMasterSp="0" showMasterPhAnim="0">
   <p:cSld>
     <p:spTree>
@@ -1025,7 +1281,7 @@
 </p:notes>
 </file>
 
-<file path=ppt/notesSlides/notesSlide12.xml><?xml version="1.0" encoding="utf-8"?>
+<file path=ppt/notesSlides/notesSlide14.xml><?xml version="1.0" encoding="utf-8"?>
 <p:notes xmlns:a="http://schemas.openxmlformats.org/drawingml/2006/main" xmlns:r="http://schemas.openxmlformats.org/officeDocument/2006/relationships" xmlns:p="http://schemas.openxmlformats.org/presentationml/2006/main" showMasterSp="0" showMasterPhAnim="0">
   <p:cSld>
     <p:spTree>
@@ -1152,7 +1408,7 @@
 </p:notes>
 </file>
 
-<file path=ppt/notesSlides/notesSlide13.xml><?xml version="1.0" encoding="utf-8"?>
+<file path=ppt/notesSlides/notesSlide15.xml><?xml version="1.0" encoding="utf-8"?>
 <p:notes xmlns:a="http://schemas.openxmlformats.org/drawingml/2006/main" xmlns:r="http://schemas.openxmlformats.org/officeDocument/2006/relationships" xmlns:p="http://schemas.openxmlformats.org/presentationml/2006/main" showMasterSp="0" showMasterPhAnim="0">
   <p:cSld>
     <p:spTree>
@@ -10501,6 +10757,1859 @@
   <p:cSld>
     <p:spTree>
       <p:nvGrpSpPr>
+        <p:cNvPr id="1" name="Shape 751">
+          <a:extLst>
+            <a:ext uri="{FF2B5EF4-FFF2-40B4-BE49-F238E27FC236}">
+              <a16:creationId xmlns:a16="http://schemas.microsoft.com/office/drawing/2014/main" id="{AB7A27BE-49C3-5840-CD5F-0CA37D0E48F6}"/>
+            </a:ext>
+          </a:extLst>
+        </p:cNvPr>
+        <p:cNvGrpSpPr/>
+        <p:nvPr/>
+      </p:nvGrpSpPr>
+      <p:grpSpPr>
+        <a:xfrm>
+          <a:off x="0" y="0"/>
+          <a:ext cx="0" cy="0"/>
+          <a:chOff x="0" y="0"/>
+          <a:chExt cx="0" cy="0"/>
+        </a:xfrm>
+      </p:grpSpPr>
+      <p:cxnSp>
+        <p:nvCxnSpPr>
+          <p:cNvPr id="752" name="Google Shape;752;p44">
+            <a:extLst>
+              <a:ext uri="{FF2B5EF4-FFF2-40B4-BE49-F238E27FC236}">
+                <a16:creationId xmlns:a16="http://schemas.microsoft.com/office/drawing/2014/main" id="{A2A35279-FC81-CA64-0D3F-E9C9CE8D07CD}"/>
+              </a:ext>
+            </a:extLst>
+          </p:cNvPr>
+          <p:cNvCxnSpPr/>
+          <p:nvPr/>
+        </p:nvCxnSpPr>
+        <p:spPr>
+          <a:xfrm>
+            <a:off x="621500" y="2264575"/>
+            <a:ext cx="0" cy="2628900"/>
+          </a:xfrm>
+          <a:prstGeom prst="straightConnector1">
+            <a:avLst/>
+          </a:prstGeom>
+          <a:noFill/>
+          <a:ln w="19050" cap="flat" cmpd="sng">
+            <a:solidFill>
+              <a:schemeClr val="dk2"/>
+            </a:solidFill>
+            <a:prstDash val="solid"/>
+            <a:round/>
+            <a:headEnd type="none" w="med" len="med"/>
+            <a:tailEnd type="none" w="med" len="med"/>
+          </a:ln>
+        </p:spPr>
+      </p:cxnSp>
+      <p:cxnSp>
+        <p:nvCxnSpPr>
+          <p:cNvPr id="753" name="Google Shape;753;p44">
+            <a:extLst>
+              <a:ext uri="{FF2B5EF4-FFF2-40B4-BE49-F238E27FC236}">
+                <a16:creationId xmlns:a16="http://schemas.microsoft.com/office/drawing/2014/main" id="{6C921CB2-D59F-54C7-809D-6BF0D54E6760}"/>
+              </a:ext>
+            </a:extLst>
+          </p:cNvPr>
+          <p:cNvCxnSpPr/>
+          <p:nvPr/>
+        </p:nvCxnSpPr>
+        <p:spPr>
+          <a:xfrm>
+            <a:off x="628650" y="514350"/>
+            <a:ext cx="7922400" cy="0"/>
+          </a:xfrm>
+          <a:prstGeom prst="straightConnector1">
+            <a:avLst/>
+          </a:prstGeom>
+          <a:noFill/>
+          <a:ln w="19050" cap="flat" cmpd="sng">
+            <a:solidFill>
+              <a:schemeClr val="dk2"/>
+            </a:solidFill>
+            <a:prstDash val="solid"/>
+            <a:round/>
+            <a:headEnd type="none" w="med" len="med"/>
+            <a:tailEnd type="none" w="med" len="med"/>
+          </a:ln>
+        </p:spPr>
+      </p:cxnSp>
+      <p:sp>
+        <p:nvSpPr>
+          <p:cNvPr id="755" name="Google Shape;755;p44">
+            <a:extLst>
+              <a:ext uri="{FF2B5EF4-FFF2-40B4-BE49-F238E27FC236}">
+                <a16:creationId xmlns:a16="http://schemas.microsoft.com/office/drawing/2014/main" id="{A5D29058-9E52-64A6-EC74-7FC17AEB16A1}"/>
+              </a:ext>
+            </a:extLst>
+          </p:cNvPr>
+          <p:cNvSpPr txBox="1">
+            <a:spLocks noGrp="1"/>
+          </p:cNvSpPr>
+          <p:nvPr>
+            <p:ph type="title"/>
+          </p:nvPr>
+        </p:nvSpPr>
+        <p:spPr>
+          <a:xfrm>
+            <a:off x="587154" y="499276"/>
+            <a:ext cx="2808000" cy="755700"/>
+          </a:xfrm>
+          <a:prstGeom prst="rect">
+            <a:avLst/>
+          </a:prstGeom>
+        </p:spPr>
+        <p:txBody>
+          <a:bodyPr spcFirstLastPara="1" wrap="square" lIns="91425" tIns="91425" rIns="91425" bIns="91425" anchor="b" anchorCtr="0">
+            <a:noAutofit/>
+          </a:bodyPr>
+          <a:lstStyle/>
+          <a:p>
+            <a:pPr marL="0" lvl="0" indent="0" algn="l" rtl="0">
+              <a:spcBef>
+                <a:spcPts val="0"/>
+              </a:spcBef>
+              <a:spcAft>
+                <a:spcPts val="0"/>
+              </a:spcAft>
+              <a:buNone/>
+            </a:pPr>
+            <a:r>
+              <a:rPr lang="en" dirty="0"/>
+              <a:t>PROJECT 06</a:t>
+            </a:r>
+            <a:endParaRPr dirty="0"/>
+          </a:p>
+        </p:txBody>
+      </p:sp>
+      <p:sp>
+        <p:nvSpPr>
+          <p:cNvPr id="771" name="Google Shape;771;p44">
+            <a:extLst>
+              <a:ext uri="{FF2B5EF4-FFF2-40B4-BE49-F238E27FC236}">
+                <a16:creationId xmlns:a16="http://schemas.microsoft.com/office/drawing/2014/main" id="{EE7E5A7B-1499-C4B1-F829-A7446BB21580}"/>
+              </a:ext>
+            </a:extLst>
+          </p:cNvPr>
+          <p:cNvSpPr/>
+          <p:nvPr/>
+        </p:nvSpPr>
+        <p:spPr>
+          <a:xfrm>
+            <a:off x="7587850" y="592400"/>
+            <a:ext cx="407700" cy="179700"/>
+          </a:xfrm>
+          <a:prstGeom prst="roundRect">
+            <a:avLst>
+              <a:gd name="adj" fmla="val 50000"/>
+            </a:avLst>
+          </a:prstGeom>
+          <a:noFill/>
+          <a:ln w="9525" cap="flat" cmpd="sng">
+            <a:solidFill>
+              <a:schemeClr val="accent2"/>
+            </a:solidFill>
+            <a:prstDash val="solid"/>
+            <a:round/>
+            <a:headEnd type="none" w="sm" len="sm"/>
+            <a:tailEnd type="none" w="sm" len="sm"/>
+          </a:ln>
+        </p:spPr>
+        <p:txBody>
+          <a:bodyPr spcFirstLastPara="1" wrap="square" lIns="91425" tIns="91425" rIns="91425" bIns="91425" anchor="ctr" anchorCtr="0">
+            <a:noAutofit/>
+          </a:bodyPr>
+          <a:lstStyle/>
+          <a:p>
+            <a:pPr marL="0" lvl="0" indent="0" algn="l" rtl="0">
+              <a:spcBef>
+                <a:spcPts val="0"/>
+              </a:spcBef>
+              <a:spcAft>
+                <a:spcPts val="0"/>
+              </a:spcAft>
+              <a:buNone/>
+            </a:pPr>
+            <a:endParaRPr/>
+          </a:p>
+        </p:txBody>
+      </p:sp>
+      <p:sp>
+        <p:nvSpPr>
+          <p:cNvPr id="772" name="Google Shape;772;p44">
+            <a:extLst>
+              <a:ext uri="{FF2B5EF4-FFF2-40B4-BE49-F238E27FC236}">
+                <a16:creationId xmlns:a16="http://schemas.microsoft.com/office/drawing/2014/main" id="{D3BD5856-99E1-828F-2488-65FA97959EAD}"/>
+              </a:ext>
+            </a:extLst>
+          </p:cNvPr>
+          <p:cNvSpPr/>
+          <p:nvPr/>
+        </p:nvSpPr>
+        <p:spPr>
+          <a:xfrm>
+            <a:off x="8022375" y="592400"/>
+            <a:ext cx="407700" cy="179700"/>
+          </a:xfrm>
+          <a:prstGeom prst="roundRect">
+            <a:avLst>
+              <a:gd name="adj" fmla="val 50000"/>
+            </a:avLst>
+          </a:prstGeom>
+          <a:noFill/>
+          <a:ln w="9525" cap="flat" cmpd="sng">
+            <a:solidFill>
+              <a:schemeClr val="accent2"/>
+            </a:solidFill>
+            <a:prstDash val="solid"/>
+            <a:round/>
+            <a:headEnd type="none" w="sm" len="sm"/>
+            <a:tailEnd type="none" w="sm" len="sm"/>
+          </a:ln>
+        </p:spPr>
+        <p:txBody>
+          <a:bodyPr spcFirstLastPara="1" wrap="square" lIns="91425" tIns="91425" rIns="91425" bIns="91425" anchor="ctr" anchorCtr="0">
+            <a:noAutofit/>
+          </a:bodyPr>
+          <a:lstStyle/>
+          <a:p>
+            <a:pPr marL="0" lvl="0" indent="0" algn="l" rtl="0">
+              <a:spcBef>
+                <a:spcPts val="0"/>
+              </a:spcBef>
+              <a:spcAft>
+                <a:spcPts val="0"/>
+              </a:spcAft>
+              <a:buNone/>
+            </a:pPr>
+            <a:endParaRPr/>
+          </a:p>
+        </p:txBody>
+      </p:sp>
+      <p:sp>
+        <p:nvSpPr>
+          <p:cNvPr id="2" name="Google Shape;755;p44">
+            <a:extLst>
+              <a:ext uri="{FF2B5EF4-FFF2-40B4-BE49-F238E27FC236}">
+                <a16:creationId xmlns:a16="http://schemas.microsoft.com/office/drawing/2014/main" id="{6F6D0510-200E-78F3-4989-43AA1933578D}"/>
+              </a:ext>
+            </a:extLst>
+          </p:cNvPr>
+          <p:cNvSpPr txBox="1">
+            <a:spLocks/>
+          </p:cNvSpPr>
+          <p:nvPr/>
+        </p:nvSpPr>
+        <p:spPr>
+          <a:xfrm>
+            <a:off x="716239" y="1441124"/>
+            <a:ext cx="4393421" cy="755700"/>
+          </a:xfrm>
+          <a:prstGeom prst="rect">
+            <a:avLst/>
+          </a:prstGeom>
+          <a:noFill/>
+          <a:ln>
+            <a:noFill/>
+          </a:ln>
+        </p:spPr>
+        <p:txBody>
+          <a:bodyPr spcFirstLastPara="1" wrap="square" lIns="91425" tIns="91425" rIns="91425" bIns="91425" anchor="b" anchorCtr="0">
+            <a:noAutofit/>
+          </a:bodyPr>
+          <a:lstStyle>
+            <a:defPPr marR="0" lvl="0" algn="l" rtl="0">
+              <a:lnSpc>
+                <a:spcPct val="100000"/>
+              </a:lnSpc>
+              <a:spcBef>
+                <a:spcPts val="0"/>
+              </a:spcBef>
+              <a:spcAft>
+                <a:spcPts val="0"/>
+              </a:spcAft>
+            </a:defPPr>
+            <a:lvl1pPr marR="0" lvl="0" algn="l" rtl="0">
+              <a:lnSpc>
+                <a:spcPct val="100000"/>
+              </a:lnSpc>
+              <a:spcBef>
+                <a:spcPts val="0"/>
+              </a:spcBef>
+              <a:spcAft>
+                <a:spcPts val="0"/>
+              </a:spcAft>
+              <a:buClr>
+                <a:schemeClr val="dk1"/>
+              </a:buClr>
+              <a:buSzPts val="2800"/>
+              <a:buFont typeface="Tenor Sans"/>
+              <a:buNone/>
+              <a:defRPr sz="2800" b="0" i="0" u="none" strike="noStrike" cap="none">
+                <a:solidFill>
+                  <a:schemeClr val="dk1"/>
+                </a:solidFill>
+                <a:latin typeface="Tenor Sans"/>
+                <a:ea typeface="Tenor Sans"/>
+                <a:cs typeface="Tenor Sans"/>
+                <a:sym typeface="Tenor Sans"/>
+              </a:defRPr>
+            </a:lvl1pPr>
+            <a:lvl2pPr marR="0" lvl="1" algn="l" rtl="0">
+              <a:lnSpc>
+                <a:spcPct val="100000"/>
+              </a:lnSpc>
+              <a:spcBef>
+                <a:spcPts val="0"/>
+              </a:spcBef>
+              <a:spcAft>
+                <a:spcPts val="0"/>
+              </a:spcAft>
+              <a:buClr>
+                <a:schemeClr val="dk1"/>
+              </a:buClr>
+              <a:buSzPts val="2400"/>
+              <a:buFont typeface="Arial"/>
+              <a:buNone/>
+              <a:defRPr sz="2400" b="0" i="0" u="none" strike="noStrike" cap="none">
+                <a:solidFill>
+                  <a:schemeClr val="dk1"/>
+                </a:solidFill>
+                <a:latin typeface="Arial"/>
+                <a:ea typeface="Arial"/>
+                <a:cs typeface="Arial"/>
+                <a:sym typeface="Arial"/>
+              </a:defRPr>
+            </a:lvl2pPr>
+            <a:lvl3pPr marR="0" lvl="2" algn="l" rtl="0">
+              <a:lnSpc>
+                <a:spcPct val="100000"/>
+              </a:lnSpc>
+              <a:spcBef>
+                <a:spcPts val="0"/>
+              </a:spcBef>
+              <a:spcAft>
+                <a:spcPts val="0"/>
+              </a:spcAft>
+              <a:buClr>
+                <a:schemeClr val="dk1"/>
+              </a:buClr>
+              <a:buSzPts val="2400"/>
+              <a:buFont typeface="Arial"/>
+              <a:buNone/>
+              <a:defRPr sz="2400" b="0" i="0" u="none" strike="noStrike" cap="none">
+                <a:solidFill>
+                  <a:schemeClr val="dk1"/>
+                </a:solidFill>
+                <a:latin typeface="Arial"/>
+                <a:ea typeface="Arial"/>
+                <a:cs typeface="Arial"/>
+                <a:sym typeface="Arial"/>
+              </a:defRPr>
+            </a:lvl3pPr>
+            <a:lvl4pPr marR="0" lvl="3" algn="l" rtl="0">
+              <a:lnSpc>
+                <a:spcPct val="100000"/>
+              </a:lnSpc>
+              <a:spcBef>
+                <a:spcPts val="0"/>
+              </a:spcBef>
+              <a:spcAft>
+                <a:spcPts val="0"/>
+              </a:spcAft>
+              <a:buClr>
+                <a:schemeClr val="dk1"/>
+              </a:buClr>
+              <a:buSzPts val="2400"/>
+              <a:buFont typeface="Arial"/>
+              <a:buNone/>
+              <a:defRPr sz="2400" b="0" i="0" u="none" strike="noStrike" cap="none">
+                <a:solidFill>
+                  <a:schemeClr val="dk1"/>
+                </a:solidFill>
+                <a:latin typeface="Arial"/>
+                <a:ea typeface="Arial"/>
+                <a:cs typeface="Arial"/>
+                <a:sym typeface="Arial"/>
+              </a:defRPr>
+            </a:lvl4pPr>
+            <a:lvl5pPr marR="0" lvl="4" algn="l" rtl="0">
+              <a:lnSpc>
+                <a:spcPct val="100000"/>
+              </a:lnSpc>
+              <a:spcBef>
+                <a:spcPts val="0"/>
+              </a:spcBef>
+              <a:spcAft>
+                <a:spcPts val="0"/>
+              </a:spcAft>
+              <a:buClr>
+                <a:schemeClr val="dk1"/>
+              </a:buClr>
+              <a:buSzPts val="2400"/>
+              <a:buFont typeface="Arial"/>
+              <a:buNone/>
+              <a:defRPr sz="2400" b="0" i="0" u="none" strike="noStrike" cap="none">
+                <a:solidFill>
+                  <a:schemeClr val="dk1"/>
+                </a:solidFill>
+                <a:latin typeface="Arial"/>
+                <a:ea typeface="Arial"/>
+                <a:cs typeface="Arial"/>
+                <a:sym typeface="Arial"/>
+              </a:defRPr>
+            </a:lvl5pPr>
+            <a:lvl6pPr marR="0" lvl="5" algn="l" rtl="0">
+              <a:lnSpc>
+                <a:spcPct val="100000"/>
+              </a:lnSpc>
+              <a:spcBef>
+                <a:spcPts val="0"/>
+              </a:spcBef>
+              <a:spcAft>
+                <a:spcPts val="0"/>
+              </a:spcAft>
+              <a:buClr>
+                <a:schemeClr val="dk1"/>
+              </a:buClr>
+              <a:buSzPts val="2400"/>
+              <a:buFont typeface="Arial"/>
+              <a:buNone/>
+              <a:defRPr sz="2400" b="0" i="0" u="none" strike="noStrike" cap="none">
+                <a:solidFill>
+                  <a:schemeClr val="dk1"/>
+                </a:solidFill>
+                <a:latin typeface="Arial"/>
+                <a:ea typeface="Arial"/>
+                <a:cs typeface="Arial"/>
+                <a:sym typeface="Arial"/>
+              </a:defRPr>
+            </a:lvl6pPr>
+            <a:lvl7pPr marR="0" lvl="6" algn="l" rtl="0">
+              <a:lnSpc>
+                <a:spcPct val="100000"/>
+              </a:lnSpc>
+              <a:spcBef>
+                <a:spcPts val="0"/>
+              </a:spcBef>
+              <a:spcAft>
+                <a:spcPts val="0"/>
+              </a:spcAft>
+              <a:buClr>
+                <a:schemeClr val="dk1"/>
+              </a:buClr>
+              <a:buSzPts val="2400"/>
+              <a:buFont typeface="Arial"/>
+              <a:buNone/>
+              <a:defRPr sz="2400" b="0" i="0" u="none" strike="noStrike" cap="none">
+                <a:solidFill>
+                  <a:schemeClr val="dk1"/>
+                </a:solidFill>
+                <a:latin typeface="Arial"/>
+                <a:ea typeface="Arial"/>
+                <a:cs typeface="Arial"/>
+                <a:sym typeface="Arial"/>
+              </a:defRPr>
+            </a:lvl7pPr>
+            <a:lvl8pPr marR="0" lvl="7" algn="l" rtl="0">
+              <a:lnSpc>
+                <a:spcPct val="100000"/>
+              </a:lnSpc>
+              <a:spcBef>
+                <a:spcPts val="0"/>
+              </a:spcBef>
+              <a:spcAft>
+                <a:spcPts val="0"/>
+              </a:spcAft>
+              <a:buClr>
+                <a:schemeClr val="dk1"/>
+              </a:buClr>
+              <a:buSzPts val="2400"/>
+              <a:buFont typeface="Arial"/>
+              <a:buNone/>
+              <a:defRPr sz="2400" b="0" i="0" u="none" strike="noStrike" cap="none">
+                <a:solidFill>
+                  <a:schemeClr val="dk1"/>
+                </a:solidFill>
+                <a:latin typeface="Arial"/>
+                <a:ea typeface="Arial"/>
+                <a:cs typeface="Arial"/>
+                <a:sym typeface="Arial"/>
+              </a:defRPr>
+            </a:lvl8pPr>
+            <a:lvl9pPr marR="0" lvl="8" algn="l" rtl="0">
+              <a:lnSpc>
+                <a:spcPct val="100000"/>
+              </a:lnSpc>
+              <a:spcBef>
+                <a:spcPts val="0"/>
+              </a:spcBef>
+              <a:spcAft>
+                <a:spcPts val="0"/>
+              </a:spcAft>
+              <a:buClr>
+                <a:schemeClr val="dk1"/>
+              </a:buClr>
+              <a:buSzPts val="2400"/>
+              <a:buFont typeface="Arial"/>
+              <a:buNone/>
+              <a:defRPr sz="2400" b="0" i="0" u="none" strike="noStrike" cap="none">
+                <a:solidFill>
+                  <a:schemeClr val="dk1"/>
+                </a:solidFill>
+                <a:latin typeface="Arial"/>
+                <a:ea typeface="Arial"/>
+                <a:cs typeface="Arial"/>
+                <a:sym typeface="Arial"/>
+              </a:defRPr>
+            </a:lvl9pPr>
+          </a:lstStyle>
+          <a:p>
+            <a:r>
+              <a:rPr lang="en-ID" b="1" dirty="0" err="1"/>
+              <a:t>Memprediksi</a:t>
+            </a:r>
+            <a:r>
+              <a:rPr lang="en-ID" b="1" dirty="0"/>
+              <a:t> </a:t>
+            </a:r>
+            <a:r>
+              <a:rPr lang="en-ID" b="1" dirty="0" err="1"/>
+              <a:t>Risiko</a:t>
+            </a:r>
+            <a:r>
+              <a:rPr lang="en-ID" b="1" dirty="0"/>
+              <a:t> </a:t>
+            </a:r>
+            <a:r>
+              <a:rPr lang="en-ID" b="1" dirty="0" err="1"/>
+              <a:t>Kredit</a:t>
+            </a:r>
+            <a:r>
+              <a:rPr lang="en-ID" b="1" dirty="0"/>
+              <a:t> (credit risk)</a:t>
+            </a:r>
+            <a:endParaRPr lang="en-ID" sz="2500" b="1" dirty="0"/>
+          </a:p>
+        </p:txBody>
+      </p:sp>
+      <p:sp>
+        <p:nvSpPr>
+          <p:cNvPr id="16" name="Rectangle 1">
+            <a:extLst>
+              <a:ext uri="{FF2B5EF4-FFF2-40B4-BE49-F238E27FC236}">
+                <a16:creationId xmlns:a16="http://schemas.microsoft.com/office/drawing/2014/main" id="{37904C90-6A12-5B39-0359-2FB4698DF739}"/>
+              </a:ext>
+            </a:extLst>
+          </p:cNvPr>
+          <p:cNvSpPr>
+            <a:spLocks noGrp="1" noChangeArrowheads="1"/>
+          </p:cNvSpPr>
+          <p:nvPr>
+            <p:ph type="subTitle" idx="1"/>
+          </p:nvPr>
+        </p:nvSpPr>
+        <p:spPr bwMode="auto">
+          <a:xfrm>
+            <a:off x="982432" y="2382972"/>
+            <a:ext cx="3685812" cy="2631490"/>
+          </a:xfrm>
+          <a:prstGeom prst="rect">
+            <a:avLst/>
+          </a:prstGeom>
+          <a:noFill/>
+          <a:ln>
+            <a:noFill/>
+          </a:ln>
+          <a:effectLst/>
+          <a:extLst>
+            <a:ext uri="{909E8E84-426E-40DD-AFC4-6F175D3DCCD1}">
+              <a14:hiddenFill xmlns:a14="http://schemas.microsoft.com/office/drawing/2010/main">
+                <a:solidFill>
+                  <a:schemeClr val="accent1"/>
+                </a:solidFill>
+              </a14:hiddenFill>
+            </a:ext>
+            <a:ext uri="{91240B29-F687-4F45-9708-019B960494DF}">
+              <a14:hiddenLine xmlns:a14="http://schemas.microsoft.com/office/drawing/2010/main" w="9525">
+                <a:solidFill>
+                  <a:schemeClr val="tx1"/>
+                </a:solidFill>
+                <a:miter lim="800000"/>
+                <a:headEnd/>
+                <a:tailEnd/>
+              </a14:hiddenLine>
+            </a:ext>
+            <a:ext uri="{AF507438-7753-43E0-B8FC-AC1667EBCBE1}">
+              <a14:hiddenEffects xmlns:a14="http://schemas.microsoft.com/office/drawing/2010/main">
+                <a:effectLst>
+                  <a:outerShdw dist="35921" dir="2700000" algn="ctr" rotWithShape="0">
+                    <a:schemeClr val="bg2"/>
+                  </a:outerShdw>
+                </a:effectLst>
+              </a14:hiddenEffects>
+            </a:ext>
+          </a:extLst>
+        </p:spPr>
+        <p:txBody>
+          <a:bodyPr vert="horz" wrap="square" lIns="91440" tIns="45720" rIns="91440" bIns="45720" numCol="1" anchor="ctr" anchorCtr="0" compatLnSpc="1">
+            <a:prstTxWarp prst="textNoShape">
+              <a:avLst/>
+            </a:prstTxWarp>
+            <a:spAutoFit/>
+          </a:bodyPr>
+          <a:lstStyle/>
+          <a:p>
+            <a:pPr>
+              <a:buFont typeface="Arial" panose="020B0604020202020204" pitchFamily="34" charset="0"/>
+              <a:buChar char="•"/>
+            </a:pPr>
+            <a:r>
+              <a:rPr lang="id-ID" sz="1100" dirty="0"/>
+              <a:t>Melakukan pembersihan, transformasi, dan eksplorasi data pinjaman berskala besar.</a:t>
+            </a:r>
+            <a:endParaRPr lang="en-ID" sz="1100" dirty="0"/>
+          </a:p>
+          <a:p>
+            <a:pPr>
+              <a:buFont typeface="Arial" panose="020B0604020202020204" pitchFamily="34" charset="0"/>
+              <a:buChar char="•"/>
+            </a:pPr>
+            <a:r>
+              <a:rPr lang="id-ID" sz="1100" dirty="0"/>
+              <a:t>Menangani missing value, outlier, serta ketidakseimbangan kelas (imbalanced data).</a:t>
+            </a:r>
+            <a:endParaRPr lang="en-ID" sz="1100" dirty="0"/>
+          </a:p>
+          <a:p>
+            <a:pPr>
+              <a:buFont typeface="Arial" panose="020B0604020202020204" pitchFamily="34" charset="0"/>
+              <a:buChar char="•"/>
+            </a:pPr>
+            <a:r>
+              <a:rPr lang="id-ID" sz="1100" dirty="0"/>
+              <a:t>Melakukan EDA untuk memahami pola data serta faktor penting yang memengaruhi risiko</a:t>
+            </a:r>
+            <a:r>
+              <a:rPr lang="en-ID" sz="1100" dirty="0"/>
+              <a:t> </a:t>
+            </a:r>
+            <a:r>
+              <a:rPr lang="id-ID" sz="1100" dirty="0"/>
+              <a:t>kredit. </a:t>
+            </a:r>
+            <a:endParaRPr lang="en-ID" sz="1100" dirty="0"/>
+          </a:p>
+          <a:p>
+            <a:pPr>
+              <a:buFont typeface="Arial" panose="020B0604020202020204" pitchFamily="34" charset="0"/>
+              <a:buChar char="•"/>
+            </a:pPr>
+            <a:r>
+              <a:rPr lang="id-ID" sz="1100" dirty="0"/>
+              <a:t>Membangun dan membandingkan model klasifikasi (Logistic Regression, Decision Tree,</a:t>
+            </a:r>
+            <a:r>
+              <a:rPr lang="en-ID" sz="1100" dirty="0"/>
+              <a:t> </a:t>
+            </a:r>
+            <a:r>
+              <a:rPr lang="id-ID" sz="1100" dirty="0"/>
+              <a:t>KNN, Random Forest)</a:t>
+            </a:r>
+            <a:r>
+              <a:rPr lang="en-US" sz="1100" dirty="0"/>
+              <a:t>.</a:t>
+            </a:r>
+          </a:p>
+          <a:p>
+            <a:pPr>
+              <a:buFont typeface="Arial" panose="020B0604020202020204" pitchFamily="34" charset="0"/>
+              <a:buChar char="•"/>
+            </a:pPr>
+            <a:r>
+              <a:rPr lang="id-ID" sz="1100" dirty="0"/>
+              <a:t>Mengevaluasi performa model dengan precision, recall, F1-score, dan ROC-AUC.</a:t>
+            </a:r>
+            <a:endParaRPr lang="en-ID" sz="1100" dirty="0"/>
+          </a:p>
+          <a:p>
+            <a:pPr>
+              <a:buFont typeface="Arial" panose="020B0604020202020204" pitchFamily="34" charset="0"/>
+              <a:buChar char="•"/>
+            </a:pPr>
+            <a:r>
+              <a:rPr lang="id-ID" sz="1100" dirty="0"/>
+              <a:t> </a:t>
+            </a:r>
+            <a:r>
+              <a:rPr lang="en-ID" sz="1100" dirty="0" err="1"/>
+              <a:t>Memberikan</a:t>
+            </a:r>
+            <a:r>
+              <a:rPr lang="en-ID" sz="1100" dirty="0"/>
+              <a:t> insight </a:t>
+            </a:r>
+            <a:r>
+              <a:rPr lang="en-ID" sz="1100" dirty="0" err="1"/>
+              <a:t>bisnis</a:t>
+            </a:r>
+            <a:r>
+              <a:rPr lang="en-ID" sz="1100" dirty="0"/>
+              <a:t> </a:t>
+            </a:r>
+            <a:r>
+              <a:rPr lang="en-ID" sz="1100" dirty="0" err="1"/>
+              <a:t>terkait</a:t>
+            </a:r>
+            <a:r>
+              <a:rPr lang="en-ID" sz="1100" dirty="0"/>
+              <a:t> </a:t>
+            </a:r>
+            <a:r>
+              <a:rPr lang="en-ID" sz="1100" dirty="0" err="1"/>
+              <a:t>karakteristik</a:t>
+            </a:r>
+            <a:r>
+              <a:rPr lang="en-ID" sz="1100" dirty="0"/>
+              <a:t> </a:t>
+            </a:r>
+            <a:r>
+              <a:rPr lang="en-ID" sz="1100" dirty="0" err="1"/>
+              <a:t>peminjam</a:t>
+            </a:r>
+            <a:r>
+              <a:rPr lang="en-ID" sz="1100" dirty="0"/>
+              <a:t> </a:t>
+            </a:r>
+            <a:r>
+              <a:rPr lang="en-ID" sz="1100" dirty="0" err="1"/>
+              <a:t>berisiko</a:t>
+            </a:r>
+            <a:r>
+              <a:rPr lang="en-ID" sz="1100" dirty="0"/>
+              <a:t> </a:t>
+            </a:r>
+            <a:r>
+              <a:rPr lang="en-ID" sz="1100" dirty="0" err="1"/>
+              <a:t>tinggi</a:t>
+            </a:r>
+            <a:r>
+              <a:rPr lang="en-ID" sz="1100" dirty="0"/>
+              <a:t> </a:t>
+            </a:r>
+            <a:r>
+              <a:rPr lang="en-ID" sz="1100" dirty="0" err="1"/>
+              <a:t>untuk</a:t>
+            </a:r>
+            <a:r>
+              <a:rPr lang="en-ID" sz="1100" dirty="0"/>
+              <a:t> </a:t>
+            </a:r>
+            <a:r>
+              <a:rPr lang="en-ID" sz="1100" dirty="0" err="1"/>
+              <a:t>mendukung</a:t>
+            </a:r>
+            <a:r>
+              <a:rPr lang="en-ID" sz="1100" dirty="0"/>
+              <a:t> strategi </a:t>
+            </a:r>
+            <a:r>
+              <a:rPr lang="en-ID" sz="1100" dirty="0" err="1"/>
+              <a:t>manajemen</a:t>
+            </a:r>
+            <a:r>
+              <a:rPr lang="en-ID" sz="1100" dirty="0"/>
+              <a:t> </a:t>
+            </a:r>
+            <a:r>
+              <a:rPr lang="en-ID" sz="1100" dirty="0" err="1"/>
+              <a:t>kredit</a:t>
+            </a:r>
+            <a:r>
+              <a:rPr lang="en-ID" sz="1100" dirty="0"/>
+              <a:t>.</a:t>
+            </a:r>
+          </a:p>
+        </p:txBody>
+      </p:sp>
+      <p:pic>
+        <p:nvPicPr>
+          <p:cNvPr id="3" name="Picture 2">
+            <a:extLst>
+              <a:ext uri="{FF2B5EF4-FFF2-40B4-BE49-F238E27FC236}">
+                <a16:creationId xmlns:a16="http://schemas.microsoft.com/office/drawing/2014/main" id="{BDB3C2E2-CE3E-D59B-9A21-D778773AAAEF}"/>
+              </a:ext>
+            </a:extLst>
+          </p:cNvPr>
+          <p:cNvPicPr>
+            <a:picLocks noChangeAspect="1"/>
+          </p:cNvPicPr>
+          <p:nvPr/>
+        </p:nvPicPr>
+        <p:blipFill>
+          <a:blip r:embed="rId3"/>
+          <a:stretch>
+            <a:fillRect/>
+          </a:stretch>
+        </p:blipFill>
+        <p:spPr>
+          <a:xfrm>
+            <a:off x="4534216" y="486415"/>
+            <a:ext cx="1338575" cy="1020186"/>
+          </a:xfrm>
+          <a:prstGeom prst="rect">
+            <a:avLst/>
+          </a:prstGeom>
+        </p:spPr>
+      </p:pic>
+      <p:pic>
+        <p:nvPicPr>
+          <p:cNvPr id="4" name="Picture 3">
+            <a:extLst>
+              <a:ext uri="{FF2B5EF4-FFF2-40B4-BE49-F238E27FC236}">
+                <a16:creationId xmlns:a16="http://schemas.microsoft.com/office/drawing/2014/main" id="{38900E8F-E0F4-17AF-6E21-41A52C6AD4A2}"/>
+              </a:ext>
+            </a:extLst>
+          </p:cNvPr>
+          <p:cNvPicPr>
+            <a:picLocks noChangeAspect="1"/>
+          </p:cNvPicPr>
+          <p:nvPr/>
+        </p:nvPicPr>
+        <p:blipFill>
+          <a:blip r:embed="rId4"/>
+          <a:stretch>
+            <a:fillRect/>
+          </a:stretch>
+        </p:blipFill>
+        <p:spPr>
+          <a:xfrm>
+            <a:off x="7122412" y="486414"/>
+            <a:ext cx="1338575" cy="1050088"/>
+          </a:xfrm>
+          <a:prstGeom prst="rect">
+            <a:avLst/>
+          </a:prstGeom>
+        </p:spPr>
+      </p:pic>
+      <p:pic>
+        <p:nvPicPr>
+          <p:cNvPr id="5" name="Picture 4">
+            <a:extLst>
+              <a:ext uri="{FF2B5EF4-FFF2-40B4-BE49-F238E27FC236}">
+                <a16:creationId xmlns:a16="http://schemas.microsoft.com/office/drawing/2014/main" id="{F5865C9B-1BFA-7F6B-031D-B7D37052A2D4}"/>
+              </a:ext>
+            </a:extLst>
+          </p:cNvPr>
+          <p:cNvPicPr>
+            <a:picLocks noChangeAspect="1"/>
+          </p:cNvPicPr>
+          <p:nvPr/>
+        </p:nvPicPr>
+        <p:blipFill>
+          <a:blip r:embed="rId5"/>
+          <a:stretch>
+            <a:fillRect/>
+          </a:stretch>
+        </p:blipFill>
+        <p:spPr>
+          <a:xfrm>
+            <a:off x="5685105" y="717881"/>
+            <a:ext cx="1570318" cy="1253500"/>
+          </a:xfrm>
+          <a:prstGeom prst="rect">
+            <a:avLst/>
+          </a:prstGeom>
+        </p:spPr>
+      </p:pic>
+      <p:pic>
+        <p:nvPicPr>
+          <p:cNvPr id="6" name="Picture 5">
+            <a:extLst>
+              <a:ext uri="{FF2B5EF4-FFF2-40B4-BE49-F238E27FC236}">
+                <a16:creationId xmlns:a16="http://schemas.microsoft.com/office/drawing/2014/main" id="{EB33D82C-FD0B-A721-F410-66B26D7C4282}"/>
+              </a:ext>
+            </a:extLst>
+          </p:cNvPr>
+          <p:cNvPicPr>
+            <a:picLocks noChangeAspect="1"/>
+          </p:cNvPicPr>
+          <p:nvPr/>
+        </p:nvPicPr>
+        <p:blipFill>
+          <a:blip r:embed="rId6"/>
+          <a:stretch>
+            <a:fillRect/>
+          </a:stretch>
+        </p:blipFill>
+        <p:spPr>
+          <a:xfrm>
+            <a:off x="7452856" y="1614551"/>
+            <a:ext cx="1345770" cy="1050087"/>
+          </a:xfrm>
+          <a:prstGeom prst="rect">
+            <a:avLst/>
+          </a:prstGeom>
+        </p:spPr>
+      </p:pic>
+      <p:pic>
+        <p:nvPicPr>
+          <p:cNvPr id="8" name="Picture 7">
+            <a:extLst>
+              <a:ext uri="{FF2B5EF4-FFF2-40B4-BE49-F238E27FC236}">
+                <a16:creationId xmlns:a16="http://schemas.microsoft.com/office/drawing/2014/main" id="{E34BF285-9DF1-C6E6-9201-14AD169726AB}"/>
+              </a:ext>
+            </a:extLst>
+          </p:cNvPr>
+          <p:cNvPicPr>
+            <a:picLocks noChangeAspect="1"/>
+          </p:cNvPicPr>
+          <p:nvPr/>
+        </p:nvPicPr>
+        <p:blipFill>
+          <a:blip r:embed="rId7"/>
+          <a:stretch>
+            <a:fillRect/>
+          </a:stretch>
+        </p:blipFill>
+        <p:spPr>
+          <a:xfrm>
+            <a:off x="4998664" y="2077587"/>
+            <a:ext cx="1570317" cy="1281499"/>
+          </a:xfrm>
+          <a:prstGeom prst="rect">
+            <a:avLst/>
+          </a:prstGeom>
+        </p:spPr>
+      </p:pic>
+      <p:pic>
+        <p:nvPicPr>
+          <p:cNvPr id="14" name="Picture 13">
+            <a:extLst>
+              <a:ext uri="{FF2B5EF4-FFF2-40B4-BE49-F238E27FC236}">
+                <a16:creationId xmlns:a16="http://schemas.microsoft.com/office/drawing/2014/main" id="{C9F8F3D7-23C1-DB06-B4CE-99D6A417EE6E}"/>
+              </a:ext>
+            </a:extLst>
+          </p:cNvPr>
+          <p:cNvPicPr>
+            <a:picLocks noChangeAspect="1"/>
+          </p:cNvPicPr>
+          <p:nvPr/>
+        </p:nvPicPr>
+        <p:blipFill>
+          <a:blip r:embed="rId8"/>
+          <a:stretch>
+            <a:fillRect/>
+          </a:stretch>
+        </p:blipFill>
+        <p:spPr>
+          <a:xfrm>
+            <a:off x="6929912" y="2528939"/>
+            <a:ext cx="1296313" cy="1050086"/>
+          </a:xfrm>
+          <a:prstGeom prst="rect">
+            <a:avLst/>
+          </a:prstGeom>
+        </p:spPr>
+      </p:pic>
+      <p:pic>
+        <p:nvPicPr>
+          <p:cNvPr id="17" name="Picture 16">
+            <a:extLst>
+              <a:ext uri="{FF2B5EF4-FFF2-40B4-BE49-F238E27FC236}">
+                <a16:creationId xmlns:a16="http://schemas.microsoft.com/office/drawing/2014/main" id="{4B75E091-2E52-2B6B-C8A8-7CE1E75DAB40}"/>
+              </a:ext>
+            </a:extLst>
+          </p:cNvPr>
+          <p:cNvPicPr>
+            <a:picLocks noChangeAspect="1"/>
+          </p:cNvPicPr>
+          <p:nvPr/>
+        </p:nvPicPr>
+        <p:blipFill>
+          <a:blip r:embed="rId9"/>
+          <a:stretch>
+            <a:fillRect/>
+          </a:stretch>
+        </p:blipFill>
+        <p:spPr>
+          <a:xfrm>
+            <a:off x="4833294" y="3545234"/>
+            <a:ext cx="2078993" cy="861565"/>
+          </a:xfrm>
+          <a:prstGeom prst="rect">
+            <a:avLst/>
+          </a:prstGeom>
+        </p:spPr>
+      </p:pic>
+      <p:pic>
+        <p:nvPicPr>
+          <p:cNvPr id="18" name="Picture 17">
+            <a:extLst>
+              <a:ext uri="{FF2B5EF4-FFF2-40B4-BE49-F238E27FC236}">
+                <a16:creationId xmlns:a16="http://schemas.microsoft.com/office/drawing/2014/main" id="{8A4FA75D-EB62-7480-8DCE-D611D4532E50}"/>
+              </a:ext>
+            </a:extLst>
+          </p:cNvPr>
+          <p:cNvPicPr>
+            <a:picLocks noChangeAspect="1"/>
+          </p:cNvPicPr>
+          <p:nvPr/>
+        </p:nvPicPr>
+        <p:blipFill>
+          <a:blip r:embed="rId10"/>
+          <a:stretch>
+            <a:fillRect/>
+          </a:stretch>
+        </p:blipFill>
+        <p:spPr>
+          <a:xfrm>
+            <a:off x="6929912" y="3976017"/>
+            <a:ext cx="2023208" cy="899204"/>
+          </a:xfrm>
+          <a:prstGeom prst="rect">
+            <a:avLst/>
+          </a:prstGeom>
+        </p:spPr>
+      </p:pic>
+    </p:spTree>
+    <p:extLst>
+      <p:ext uri="{BB962C8B-B14F-4D97-AF65-F5344CB8AC3E}">
+        <p14:creationId xmlns:p14="http://schemas.microsoft.com/office/powerpoint/2010/main" val="2342836272"/>
+      </p:ext>
+    </p:extLst>
+  </p:cSld>
+  <p:clrMapOvr>
+    <a:masterClrMapping/>
+  </p:clrMapOvr>
+</p:sld>
+</file>
+
+<file path=ppt/slides/slide11.xml><?xml version="1.0" encoding="utf-8"?>
+<p:sld xmlns:a="http://schemas.openxmlformats.org/drawingml/2006/main" xmlns:r="http://schemas.openxmlformats.org/officeDocument/2006/relationships" xmlns:p="http://schemas.openxmlformats.org/presentationml/2006/main">
+  <p:cSld>
+    <p:spTree>
+      <p:nvGrpSpPr>
+        <p:cNvPr id="1" name="Shape 780">
+          <a:extLst>
+            <a:ext uri="{FF2B5EF4-FFF2-40B4-BE49-F238E27FC236}">
+              <a16:creationId xmlns:a16="http://schemas.microsoft.com/office/drawing/2014/main" id="{3454E259-91E7-F84F-C869-72735EBDCE12}"/>
+            </a:ext>
+          </a:extLst>
+        </p:cNvPr>
+        <p:cNvGrpSpPr/>
+        <p:nvPr/>
+      </p:nvGrpSpPr>
+      <p:grpSpPr>
+        <a:xfrm>
+          <a:off x="0" y="0"/>
+          <a:ext cx="0" cy="0"/>
+          <a:chOff x="0" y="0"/>
+          <a:chExt cx="0" cy="0"/>
+        </a:xfrm>
+      </p:grpSpPr>
+      <p:cxnSp>
+        <p:nvCxnSpPr>
+          <p:cNvPr id="781" name="Google Shape;781;p45">
+            <a:extLst>
+              <a:ext uri="{FF2B5EF4-FFF2-40B4-BE49-F238E27FC236}">
+                <a16:creationId xmlns:a16="http://schemas.microsoft.com/office/drawing/2014/main" id="{45A5A114-E7D8-DC25-3C28-0508327E7491}"/>
+              </a:ext>
+            </a:extLst>
+          </p:cNvPr>
+          <p:cNvCxnSpPr/>
+          <p:nvPr/>
+        </p:nvCxnSpPr>
+        <p:spPr>
+          <a:xfrm>
+            <a:off x="628650" y="514350"/>
+            <a:ext cx="7922400" cy="0"/>
+          </a:xfrm>
+          <a:prstGeom prst="straightConnector1">
+            <a:avLst/>
+          </a:prstGeom>
+          <a:noFill/>
+          <a:ln w="19050" cap="flat" cmpd="sng">
+            <a:solidFill>
+              <a:schemeClr val="dk2"/>
+            </a:solidFill>
+            <a:prstDash val="solid"/>
+            <a:round/>
+            <a:headEnd type="none" w="med" len="med"/>
+            <a:tailEnd type="none" w="med" len="med"/>
+          </a:ln>
+        </p:spPr>
+      </p:cxnSp>
+      <p:sp>
+        <p:nvSpPr>
+          <p:cNvPr id="782" name="Google Shape;782;p45">
+            <a:extLst>
+              <a:ext uri="{FF2B5EF4-FFF2-40B4-BE49-F238E27FC236}">
+                <a16:creationId xmlns:a16="http://schemas.microsoft.com/office/drawing/2014/main" id="{283F30ED-59CB-D7A8-E56D-0D7B81292628}"/>
+              </a:ext>
+            </a:extLst>
+          </p:cNvPr>
+          <p:cNvSpPr txBox="1">
+            <a:spLocks noGrp="1"/>
+          </p:cNvSpPr>
+          <p:nvPr>
+            <p:ph type="title"/>
+          </p:nvPr>
+        </p:nvSpPr>
+        <p:spPr>
+          <a:xfrm>
+            <a:off x="4485129" y="514350"/>
+            <a:ext cx="2940300" cy="755700"/>
+          </a:xfrm>
+          <a:prstGeom prst="rect">
+            <a:avLst/>
+          </a:prstGeom>
+        </p:spPr>
+        <p:txBody>
+          <a:bodyPr spcFirstLastPara="1" wrap="square" lIns="91425" tIns="91425" rIns="91425" bIns="91425" anchor="b" anchorCtr="0">
+            <a:noAutofit/>
+          </a:bodyPr>
+          <a:lstStyle/>
+          <a:p>
+            <a:pPr marL="0" lvl="0" indent="0" algn="r" rtl="0">
+              <a:spcBef>
+                <a:spcPts val="0"/>
+              </a:spcBef>
+              <a:spcAft>
+                <a:spcPts val="0"/>
+              </a:spcAft>
+              <a:buNone/>
+            </a:pPr>
+            <a:r>
+              <a:rPr lang="en" dirty="0"/>
+              <a:t>PROJECT 07</a:t>
+            </a:r>
+            <a:endParaRPr dirty="0"/>
+          </a:p>
+        </p:txBody>
+      </p:sp>
+      <p:sp>
+        <p:nvSpPr>
+          <p:cNvPr id="829" name="Google Shape;829;p45">
+            <a:extLst>
+              <a:ext uri="{FF2B5EF4-FFF2-40B4-BE49-F238E27FC236}">
+                <a16:creationId xmlns:a16="http://schemas.microsoft.com/office/drawing/2014/main" id="{08E896B9-8E94-748B-81E5-2E10DF78A04C}"/>
+              </a:ext>
+            </a:extLst>
+          </p:cNvPr>
+          <p:cNvSpPr/>
+          <p:nvPr/>
+        </p:nvSpPr>
+        <p:spPr>
+          <a:xfrm>
+            <a:off x="7587850" y="592400"/>
+            <a:ext cx="407700" cy="179700"/>
+          </a:xfrm>
+          <a:prstGeom prst="roundRect">
+            <a:avLst>
+              <a:gd name="adj" fmla="val 50000"/>
+            </a:avLst>
+          </a:prstGeom>
+          <a:noFill/>
+          <a:ln w="9525" cap="flat" cmpd="sng">
+            <a:solidFill>
+              <a:schemeClr val="accent2"/>
+            </a:solidFill>
+            <a:prstDash val="solid"/>
+            <a:round/>
+            <a:headEnd type="none" w="sm" len="sm"/>
+            <a:tailEnd type="none" w="sm" len="sm"/>
+          </a:ln>
+        </p:spPr>
+        <p:txBody>
+          <a:bodyPr spcFirstLastPara="1" wrap="square" lIns="91425" tIns="91425" rIns="91425" bIns="91425" anchor="ctr" anchorCtr="0">
+            <a:noAutofit/>
+          </a:bodyPr>
+          <a:lstStyle/>
+          <a:p>
+            <a:pPr marL="0" lvl="0" indent="0" algn="l" rtl="0">
+              <a:spcBef>
+                <a:spcPts val="0"/>
+              </a:spcBef>
+              <a:spcAft>
+                <a:spcPts val="0"/>
+              </a:spcAft>
+              <a:buNone/>
+            </a:pPr>
+            <a:endParaRPr/>
+          </a:p>
+        </p:txBody>
+      </p:sp>
+      <p:sp>
+        <p:nvSpPr>
+          <p:cNvPr id="830" name="Google Shape;830;p45">
+            <a:extLst>
+              <a:ext uri="{FF2B5EF4-FFF2-40B4-BE49-F238E27FC236}">
+                <a16:creationId xmlns:a16="http://schemas.microsoft.com/office/drawing/2014/main" id="{A06D8457-9FFA-2E4A-EBD0-5F63C522B9FC}"/>
+              </a:ext>
+            </a:extLst>
+          </p:cNvPr>
+          <p:cNvSpPr/>
+          <p:nvPr/>
+        </p:nvSpPr>
+        <p:spPr>
+          <a:xfrm>
+            <a:off x="8022375" y="592400"/>
+            <a:ext cx="407700" cy="179700"/>
+          </a:xfrm>
+          <a:prstGeom prst="roundRect">
+            <a:avLst>
+              <a:gd name="adj" fmla="val 50000"/>
+            </a:avLst>
+          </a:prstGeom>
+          <a:noFill/>
+          <a:ln w="9525" cap="flat" cmpd="sng">
+            <a:solidFill>
+              <a:schemeClr val="accent2"/>
+            </a:solidFill>
+            <a:prstDash val="solid"/>
+            <a:round/>
+            <a:headEnd type="none" w="sm" len="sm"/>
+            <a:tailEnd type="none" w="sm" len="sm"/>
+          </a:ln>
+        </p:spPr>
+        <p:txBody>
+          <a:bodyPr spcFirstLastPara="1" wrap="square" lIns="91425" tIns="91425" rIns="91425" bIns="91425" anchor="ctr" anchorCtr="0">
+            <a:noAutofit/>
+          </a:bodyPr>
+          <a:lstStyle/>
+          <a:p>
+            <a:pPr marL="0" lvl="0" indent="0" algn="l" rtl="0">
+              <a:spcBef>
+                <a:spcPts val="0"/>
+              </a:spcBef>
+              <a:spcAft>
+                <a:spcPts val="0"/>
+              </a:spcAft>
+              <a:buNone/>
+            </a:pPr>
+            <a:endParaRPr/>
+          </a:p>
+        </p:txBody>
+      </p:sp>
+      <p:cxnSp>
+        <p:nvCxnSpPr>
+          <p:cNvPr id="833" name="Google Shape;833;p45">
+            <a:extLst>
+              <a:ext uri="{FF2B5EF4-FFF2-40B4-BE49-F238E27FC236}">
+                <a16:creationId xmlns:a16="http://schemas.microsoft.com/office/drawing/2014/main" id="{08DE96D4-1601-B068-5172-840663806820}"/>
+              </a:ext>
+            </a:extLst>
+          </p:cNvPr>
+          <p:cNvCxnSpPr/>
+          <p:nvPr/>
+        </p:nvCxnSpPr>
+        <p:spPr>
+          <a:xfrm>
+            <a:off x="8551050" y="2264575"/>
+            <a:ext cx="0" cy="2628900"/>
+          </a:xfrm>
+          <a:prstGeom prst="straightConnector1">
+            <a:avLst/>
+          </a:prstGeom>
+          <a:noFill/>
+          <a:ln w="19050" cap="flat" cmpd="sng">
+            <a:solidFill>
+              <a:schemeClr val="dk2"/>
+            </a:solidFill>
+            <a:prstDash val="solid"/>
+            <a:round/>
+            <a:headEnd type="none" w="med" len="med"/>
+            <a:tailEnd type="none" w="med" len="med"/>
+          </a:ln>
+        </p:spPr>
+      </p:cxnSp>
+      <p:sp>
+        <p:nvSpPr>
+          <p:cNvPr id="2" name="Google Shape;782;p45">
+            <a:extLst>
+              <a:ext uri="{FF2B5EF4-FFF2-40B4-BE49-F238E27FC236}">
+                <a16:creationId xmlns:a16="http://schemas.microsoft.com/office/drawing/2014/main" id="{5DFFB78A-2CB7-B0AE-6F9C-6FE81BC719E2}"/>
+              </a:ext>
+            </a:extLst>
+          </p:cNvPr>
+          <p:cNvSpPr txBox="1">
+            <a:spLocks/>
+          </p:cNvSpPr>
+          <p:nvPr/>
+        </p:nvSpPr>
+        <p:spPr>
+          <a:xfrm>
+            <a:off x="2699657" y="1348099"/>
+            <a:ext cx="5724343" cy="1004279"/>
+          </a:xfrm>
+          <a:prstGeom prst="rect">
+            <a:avLst/>
+          </a:prstGeom>
+          <a:noFill/>
+          <a:ln>
+            <a:noFill/>
+          </a:ln>
+        </p:spPr>
+        <p:txBody>
+          <a:bodyPr spcFirstLastPara="1" wrap="square" lIns="91425" tIns="91425" rIns="91425" bIns="91425" anchor="b" anchorCtr="0">
+            <a:noAutofit/>
+          </a:bodyPr>
+          <a:lstStyle>
+            <a:defPPr marR="0" lvl="0" algn="l" rtl="0">
+              <a:lnSpc>
+                <a:spcPct val="100000"/>
+              </a:lnSpc>
+              <a:spcBef>
+                <a:spcPts val="0"/>
+              </a:spcBef>
+              <a:spcAft>
+                <a:spcPts val="0"/>
+              </a:spcAft>
+            </a:defPPr>
+            <a:lvl1pPr marR="0" lvl="0" algn="r" rtl="0">
+              <a:lnSpc>
+                <a:spcPct val="100000"/>
+              </a:lnSpc>
+              <a:spcBef>
+                <a:spcPts val="0"/>
+              </a:spcBef>
+              <a:spcAft>
+                <a:spcPts val="0"/>
+              </a:spcAft>
+              <a:buClr>
+                <a:schemeClr val="dk1"/>
+              </a:buClr>
+              <a:buSzPts val="2800"/>
+              <a:buFont typeface="Tenor Sans"/>
+              <a:buNone/>
+              <a:defRPr sz="2800" b="0" i="0" u="none" strike="noStrike" cap="none">
+                <a:solidFill>
+                  <a:schemeClr val="dk1"/>
+                </a:solidFill>
+                <a:latin typeface="Tenor Sans"/>
+                <a:ea typeface="Tenor Sans"/>
+                <a:cs typeface="Tenor Sans"/>
+                <a:sym typeface="Tenor Sans"/>
+              </a:defRPr>
+            </a:lvl1pPr>
+            <a:lvl2pPr marR="0" lvl="1" algn="r" rtl="0">
+              <a:lnSpc>
+                <a:spcPct val="100000"/>
+              </a:lnSpc>
+              <a:spcBef>
+                <a:spcPts val="0"/>
+              </a:spcBef>
+              <a:spcAft>
+                <a:spcPts val="0"/>
+              </a:spcAft>
+              <a:buClr>
+                <a:schemeClr val="dk1"/>
+              </a:buClr>
+              <a:buSzPts val="2400"/>
+              <a:buFont typeface="Arial"/>
+              <a:buNone/>
+              <a:defRPr sz="2400" b="0" i="0" u="none" strike="noStrike" cap="none">
+                <a:solidFill>
+                  <a:schemeClr val="dk1"/>
+                </a:solidFill>
+                <a:latin typeface="Arial"/>
+                <a:ea typeface="Arial"/>
+                <a:cs typeface="Arial"/>
+                <a:sym typeface="Arial"/>
+              </a:defRPr>
+            </a:lvl2pPr>
+            <a:lvl3pPr marR="0" lvl="2" algn="r" rtl="0">
+              <a:lnSpc>
+                <a:spcPct val="100000"/>
+              </a:lnSpc>
+              <a:spcBef>
+                <a:spcPts val="0"/>
+              </a:spcBef>
+              <a:spcAft>
+                <a:spcPts val="0"/>
+              </a:spcAft>
+              <a:buClr>
+                <a:schemeClr val="dk1"/>
+              </a:buClr>
+              <a:buSzPts val="2400"/>
+              <a:buFont typeface="Arial"/>
+              <a:buNone/>
+              <a:defRPr sz="2400" b="0" i="0" u="none" strike="noStrike" cap="none">
+                <a:solidFill>
+                  <a:schemeClr val="dk1"/>
+                </a:solidFill>
+                <a:latin typeface="Arial"/>
+                <a:ea typeface="Arial"/>
+                <a:cs typeface="Arial"/>
+                <a:sym typeface="Arial"/>
+              </a:defRPr>
+            </a:lvl3pPr>
+            <a:lvl4pPr marR="0" lvl="3" algn="r" rtl="0">
+              <a:lnSpc>
+                <a:spcPct val="100000"/>
+              </a:lnSpc>
+              <a:spcBef>
+                <a:spcPts val="0"/>
+              </a:spcBef>
+              <a:spcAft>
+                <a:spcPts val="0"/>
+              </a:spcAft>
+              <a:buClr>
+                <a:schemeClr val="dk1"/>
+              </a:buClr>
+              <a:buSzPts val="2400"/>
+              <a:buFont typeface="Arial"/>
+              <a:buNone/>
+              <a:defRPr sz="2400" b="0" i="0" u="none" strike="noStrike" cap="none">
+                <a:solidFill>
+                  <a:schemeClr val="dk1"/>
+                </a:solidFill>
+                <a:latin typeface="Arial"/>
+                <a:ea typeface="Arial"/>
+                <a:cs typeface="Arial"/>
+                <a:sym typeface="Arial"/>
+              </a:defRPr>
+            </a:lvl4pPr>
+            <a:lvl5pPr marR="0" lvl="4" algn="r" rtl="0">
+              <a:lnSpc>
+                <a:spcPct val="100000"/>
+              </a:lnSpc>
+              <a:spcBef>
+                <a:spcPts val="0"/>
+              </a:spcBef>
+              <a:spcAft>
+                <a:spcPts val="0"/>
+              </a:spcAft>
+              <a:buClr>
+                <a:schemeClr val="dk1"/>
+              </a:buClr>
+              <a:buSzPts val="2400"/>
+              <a:buFont typeface="Arial"/>
+              <a:buNone/>
+              <a:defRPr sz="2400" b="0" i="0" u="none" strike="noStrike" cap="none">
+                <a:solidFill>
+                  <a:schemeClr val="dk1"/>
+                </a:solidFill>
+                <a:latin typeface="Arial"/>
+                <a:ea typeface="Arial"/>
+                <a:cs typeface="Arial"/>
+                <a:sym typeface="Arial"/>
+              </a:defRPr>
+            </a:lvl5pPr>
+            <a:lvl6pPr marR="0" lvl="5" algn="r" rtl="0">
+              <a:lnSpc>
+                <a:spcPct val="100000"/>
+              </a:lnSpc>
+              <a:spcBef>
+                <a:spcPts val="0"/>
+              </a:spcBef>
+              <a:spcAft>
+                <a:spcPts val="0"/>
+              </a:spcAft>
+              <a:buClr>
+                <a:schemeClr val="dk1"/>
+              </a:buClr>
+              <a:buSzPts val="2400"/>
+              <a:buFont typeface="Arial"/>
+              <a:buNone/>
+              <a:defRPr sz="2400" b="0" i="0" u="none" strike="noStrike" cap="none">
+                <a:solidFill>
+                  <a:schemeClr val="dk1"/>
+                </a:solidFill>
+                <a:latin typeface="Arial"/>
+                <a:ea typeface="Arial"/>
+                <a:cs typeface="Arial"/>
+                <a:sym typeface="Arial"/>
+              </a:defRPr>
+            </a:lvl6pPr>
+            <a:lvl7pPr marR="0" lvl="6" algn="r" rtl="0">
+              <a:lnSpc>
+                <a:spcPct val="100000"/>
+              </a:lnSpc>
+              <a:spcBef>
+                <a:spcPts val="0"/>
+              </a:spcBef>
+              <a:spcAft>
+                <a:spcPts val="0"/>
+              </a:spcAft>
+              <a:buClr>
+                <a:schemeClr val="dk1"/>
+              </a:buClr>
+              <a:buSzPts val="2400"/>
+              <a:buFont typeface="Arial"/>
+              <a:buNone/>
+              <a:defRPr sz="2400" b="0" i="0" u="none" strike="noStrike" cap="none">
+                <a:solidFill>
+                  <a:schemeClr val="dk1"/>
+                </a:solidFill>
+                <a:latin typeface="Arial"/>
+                <a:ea typeface="Arial"/>
+                <a:cs typeface="Arial"/>
+                <a:sym typeface="Arial"/>
+              </a:defRPr>
+            </a:lvl7pPr>
+            <a:lvl8pPr marR="0" lvl="7" algn="r" rtl="0">
+              <a:lnSpc>
+                <a:spcPct val="100000"/>
+              </a:lnSpc>
+              <a:spcBef>
+                <a:spcPts val="0"/>
+              </a:spcBef>
+              <a:spcAft>
+                <a:spcPts val="0"/>
+              </a:spcAft>
+              <a:buClr>
+                <a:schemeClr val="dk1"/>
+              </a:buClr>
+              <a:buSzPts val="2400"/>
+              <a:buFont typeface="Arial"/>
+              <a:buNone/>
+              <a:defRPr sz="2400" b="0" i="0" u="none" strike="noStrike" cap="none">
+                <a:solidFill>
+                  <a:schemeClr val="dk1"/>
+                </a:solidFill>
+                <a:latin typeface="Arial"/>
+                <a:ea typeface="Arial"/>
+                <a:cs typeface="Arial"/>
+                <a:sym typeface="Arial"/>
+              </a:defRPr>
+            </a:lvl8pPr>
+            <a:lvl9pPr marR="0" lvl="8" algn="r" rtl="0">
+              <a:lnSpc>
+                <a:spcPct val="100000"/>
+              </a:lnSpc>
+              <a:spcBef>
+                <a:spcPts val="0"/>
+              </a:spcBef>
+              <a:spcAft>
+                <a:spcPts val="0"/>
+              </a:spcAft>
+              <a:buClr>
+                <a:schemeClr val="dk1"/>
+              </a:buClr>
+              <a:buSzPts val="2400"/>
+              <a:buFont typeface="Arial"/>
+              <a:buNone/>
+              <a:defRPr sz="2400" b="0" i="0" u="none" strike="noStrike" cap="none">
+                <a:solidFill>
+                  <a:schemeClr val="dk1"/>
+                </a:solidFill>
+                <a:latin typeface="Arial"/>
+                <a:ea typeface="Arial"/>
+                <a:cs typeface="Arial"/>
+                <a:sym typeface="Arial"/>
+              </a:defRPr>
+            </a:lvl9pPr>
+          </a:lstStyle>
+          <a:p>
+            <a:r>
+              <a:rPr lang="en-ID" b="1" dirty="0" err="1"/>
+              <a:t>Menganalisis</a:t>
+            </a:r>
+            <a:r>
+              <a:rPr lang="en-ID" b="1" dirty="0"/>
+              <a:t> Data </a:t>
+            </a:r>
+            <a:r>
+              <a:rPr lang="en-ID" b="1" dirty="0" err="1"/>
+              <a:t>Penjualan</a:t>
+            </a:r>
+            <a:r>
+              <a:rPr lang="en-ID" b="1" dirty="0"/>
+              <a:t> PT Sejahtera Bersama</a:t>
+            </a:r>
+            <a:endParaRPr lang="sv-SE" sz="2500" b="1" dirty="0"/>
+          </a:p>
+        </p:txBody>
+      </p:sp>
+      <p:sp>
+        <p:nvSpPr>
+          <p:cNvPr id="20" name="Rectangle 1">
+            <a:extLst>
+              <a:ext uri="{FF2B5EF4-FFF2-40B4-BE49-F238E27FC236}">
+                <a16:creationId xmlns:a16="http://schemas.microsoft.com/office/drawing/2014/main" id="{B153EF5A-6A44-451E-29C0-D0ADD43D909C}"/>
+              </a:ext>
+            </a:extLst>
+          </p:cNvPr>
+          <p:cNvSpPr>
+            <a:spLocks noGrp="1" noChangeArrowheads="1"/>
+          </p:cNvSpPr>
+          <p:nvPr>
+            <p:ph type="subTitle" idx="1"/>
+          </p:nvPr>
+        </p:nvSpPr>
+        <p:spPr bwMode="auto">
+          <a:xfrm>
+            <a:off x="4280302" y="2299723"/>
+            <a:ext cx="4143698" cy="2677656"/>
+          </a:xfrm>
+          <a:prstGeom prst="rect">
+            <a:avLst/>
+          </a:prstGeom>
+          <a:noFill/>
+          <a:ln>
+            <a:noFill/>
+          </a:ln>
+          <a:effectLst/>
+          <a:extLst>
+            <a:ext uri="{909E8E84-426E-40DD-AFC4-6F175D3DCCD1}">
+              <a14:hiddenFill xmlns:a14="http://schemas.microsoft.com/office/drawing/2010/main">
+                <a:solidFill>
+                  <a:schemeClr val="accent1"/>
+                </a:solidFill>
+              </a14:hiddenFill>
+            </a:ext>
+            <a:ext uri="{91240B29-F687-4F45-9708-019B960494DF}">
+              <a14:hiddenLine xmlns:a14="http://schemas.microsoft.com/office/drawing/2010/main" w="9525">
+                <a:solidFill>
+                  <a:schemeClr val="tx1"/>
+                </a:solidFill>
+                <a:miter lim="800000"/>
+                <a:headEnd/>
+                <a:tailEnd/>
+              </a14:hiddenLine>
+            </a:ext>
+            <a:ext uri="{AF507438-7753-43E0-B8FC-AC1667EBCBE1}">
+              <a14:hiddenEffects xmlns:a14="http://schemas.microsoft.com/office/drawing/2010/main">
+                <a:effectLst>
+                  <a:outerShdw dist="35921" dir="2700000" algn="ctr" rotWithShape="0">
+                    <a:schemeClr val="bg2"/>
+                  </a:outerShdw>
+                </a:effectLst>
+              </a14:hiddenEffects>
+            </a:ext>
+          </a:extLst>
+        </p:spPr>
+        <p:txBody>
+          <a:bodyPr vert="horz" wrap="square" lIns="91440" tIns="45720" rIns="91440" bIns="45720" numCol="1" anchor="ctr" anchorCtr="0" compatLnSpc="1">
+            <a:prstTxWarp prst="textNoShape">
+              <a:avLst/>
+            </a:prstTxWarp>
+            <a:spAutoFit/>
+          </a:bodyPr>
+          <a:lstStyle/>
+          <a:p>
+            <a:pPr marL="285750" indent="-171450" algn="l">
+              <a:buFont typeface="Arial" panose="020B0604020202020204" pitchFamily="34" charset="0"/>
+              <a:buChar char="•"/>
+            </a:pPr>
+            <a:r>
+              <a:rPr lang="id-ID" sz="1200" dirty="0"/>
+              <a:t>Mengintegrasikan empat dataset (customers, orders, products, product_category) ke BigQuery</a:t>
+            </a:r>
+            <a:r>
+              <a:rPr lang="en-ID" sz="1200" dirty="0"/>
+              <a:t> </a:t>
+            </a:r>
+            <a:r>
+              <a:rPr lang="id-ID" sz="1200" dirty="0"/>
+              <a:t>sebagai sumber analisis.</a:t>
+            </a:r>
+            <a:endParaRPr lang="en-ID" sz="1200" dirty="0"/>
+          </a:p>
+          <a:p>
+            <a:pPr marL="285750" indent="-171450" algn="l">
+              <a:buFont typeface="Arial" panose="020B0604020202020204" pitchFamily="34" charset="0"/>
+              <a:buChar char="•"/>
+            </a:pPr>
+            <a:r>
+              <a:rPr lang="id-ID" sz="1200" dirty="0"/>
+              <a:t>Menganalisis struktur data, menentukan primary key, dan memetakan relasi antar tabel.</a:t>
+            </a:r>
+            <a:endParaRPr lang="en-ID" sz="1200" dirty="0"/>
+          </a:p>
+          <a:p>
+            <a:pPr marL="285750" indent="-171450" algn="l">
+              <a:buFont typeface="Arial" panose="020B0604020202020204" pitchFamily="34" charset="0"/>
+              <a:buChar char="•"/>
+            </a:pPr>
+            <a:r>
+              <a:rPr lang="id-ID" sz="1200" dirty="0"/>
+              <a:t>Menyusun master table menggunakan SQL melalui proses join dan perhitungan metrik penting.</a:t>
+            </a:r>
+            <a:endParaRPr lang="en-ID" sz="1200" dirty="0"/>
+          </a:p>
+          <a:p>
+            <a:pPr marL="285750" indent="-171450" algn="l">
+              <a:buFont typeface="Arial" panose="020B0604020202020204" pitchFamily="34" charset="0"/>
+              <a:buChar char="•"/>
+            </a:pPr>
+            <a:r>
+              <a:rPr lang="id-ID" sz="1200" dirty="0"/>
+              <a:t>Mengekspor dan mempersiapkan data dalam format CSV untuk kebutuhan visualisasi.</a:t>
+            </a:r>
+            <a:endParaRPr lang="en-ID" sz="1200" dirty="0"/>
+          </a:p>
+          <a:p>
+            <a:pPr marL="285750" indent="-171450" algn="l">
+              <a:buFont typeface="Arial" panose="020B0604020202020204" pitchFamily="34" charset="0"/>
+              <a:buChar char="•"/>
+            </a:pPr>
+            <a:r>
+              <a:rPr lang="id-ID" sz="1200" dirty="0"/>
+              <a:t>Membangun dashboard performa penjualan di Looker Studio dengan berbagai visualisasi inti.</a:t>
+            </a:r>
+            <a:endParaRPr lang="en-ID" sz="1200" dirty="0"/>
+          </a:p>
+          <a:p>
+            <a:pPr marL="285750" indent="-171450" algn="l">
+              <a:buFont typeface="Arial" panose="020B0604020202020204" pitchFamily="34" charset="0"/>
+              <a:buChar char="•"/>
+            </a:pPr>
+            <a:r>
+              <a:rPr lang="en-ID" sz="1200" dirty="0" err="1"/>
+              <a:t>Menghasilkan</a:t>
+            </a:r>
+            <a:r>
+              <a:rPr lang="en-ID" sz="1200" dirty="0"/>
+              <a:t> insight </a:t>
+            </a:r>
+            <a:r>
+              <a:rPr lang="en-ID" sz="1200" dirty="0" err="1"/>
+              <a:t>terkait</a:t>
+            </a:r>
+            <a:r>
+              <a:rPr lang="en-ID" sz="1200" dirty="0"/>
+              <a:t> </a:t>
+            </a:r>
+            <a:r>
+              <a:rPr lang="en-ID" sz="1200" dirty="0" err="1"/>
+              <a:t>kategori</a:t>
+            </a:r>
+            <a:r>
+              <a:rPr lang="en-ID" sz="1200" dirty="0"/>
+              <a:t> </a:t>
+            </a:r>
+            <a:r>
+              <a:rPr lang="en-ID" sz="1200" dirty="0" err="1"/>
+              <a:t>produk</a:t>
+            </a:r>
+            <a:r>
+              <a:rPr lang="en-ID" sz="1200" dirty="0"/>
+              <a:t> </a:t>
+            </a:r>
+            <a:r>
+              <a:rPr lang="en-ID" sz="1200" dirty="0" err="1"/>
+              <a:t>terlaris</a:t>
+            </a:r>
+            <a:r>
+              <a:rPr lang="en-ID" sz="1200" dirty="0"/>
+              <a:t>, </a:t>
+            </a:r>
+            <a:r>
+              <a:rPr lang="en-ID" sz="1200" dirty="0" err="1"/>
+              <a:t>kontribusi</a:t>
+            </a:r>
+            <a:r>
+              <a:rPr lang="en-ID" sz="1200" dirty="0"/>
+              <a:t> </a:t>
+            </a:r>
+            <a:r>
+              <a:rPr lang="en-ID" sz="1200" dirty="0" err="1"/>
+              <a:t>penjualan</a:t>
+            </a:r>
+            <a:r>
+              <a:rPr lang="en-ID" sz="1200" dirty="0"/>
+              <a:t> per </a:t>
+            </a:r>
+            <a:r>
+              <a:rPr lang="en-ID" sz="1200" dirty="0" err="1"/>
+              <a:t>kota</a:t>
+            </a:r>
+            <a:r>
+              <a:rPr lang="en-ID" sz="1200" dirty="0"/>
+              <a:t>, </a:t>
+            </a:r>
+            <a:r>
+              <a:rPr lang="en-ID" sz="1200" dirty="0" err="1"/>
+              <a:t>serta</a:t>
+            </a:r>
+            <a:r>
+              <a:rPr lang="en-ID" sz="1200" dirty="0"/>
+              <a:t> </a:t>
+            </a:r>
+            <a:r>
+              <a:rPr lang="en-ID" sz="1200" dirty="0" err="1"/>
+              <a:t>pola</a:t>
+            </a:r>
+            <a:r>
+              <a:rPr lang="en-ID" sz="1200" dirty="0"/>
+              <a:t> </a:t>
+            </a:r>
+            <a:r>
+              <a:rPr lang="en-ID" sz="1200" dirty="0" err="1"/>
+              <a:t>pembelian</a:t>
+            </a:r>
+            <a:r>
+              <a:rPr lang="en-ID" sz="1200" dirty="0"/>
+              <a:t> </a:t>
+            </a:r>
+            <a:r>
+              <a:rPr lang="en-ID" sz="1200" dirty="0" err="1"/>
+              <a:t>pelanggan</a:t>
+            </a:r>
+            <a:r>
+              <a:rPr lang="en-ID" sz="1200" dirty="0"/>
+              <a:t>.</a:t>
+            </a:r>
+          </a:p>
+        </p:txBody>
+      </p:sp>
+      <p:pic>
+        <p:nvPicPr>
+          <p:cNvPr id="3" name="Picture 2">
+            <a:extLst>
+              <a:ext uri="{FF2B5EF4-FFF2-40B4-BE49-F238E27FC236}">
+                <a16:creationId xmlns:a16="http://schemas.microsoft.com/office/drawing/2014/main" id="{DE2884E7-ADC2-C234-B487-67DEB76EDE64}"/>
+              </a:ext>
+            </a:extLst>
+          </p:cNvPr>
+          <p:cNvPicPr>
+            <a:picLocks noChangeAspect="1"/>
+          </p:cNvPicPr>
+          <p:nvPr/>
+        </p:nvPicPr>
+        <p:blipFill>
+          <a:blip r:embed="rId3"/>
+          <a:stretch>
+            <a:fillRect/>
+          </a:stretch>
+        </p:blipFill>
+        <p:spPr>
+          <a:xfrm>
+            <a:off x="109904" y="1846050"/>
+            <a:ext cx="4264539" cy="3047424"/>
+          </a:xfrm>
+          <a:prstGeom prst="rect">
+            <a:avLst/>
+          </a:prstGeom>
+        </p:spPr>
+      </p:pic>
+    </p:spTree>
+    <p:extLst>
+      <p:ext uri="{BB962C8B-B14F-4D97-AF65-F5344CB8AC3E}">
+        <p14:creationId xmlns:p14="http://schemas.microsoft.com/office/powerpoint/2010/main" val="132081812"/>
+      </p:ext>
+    </p:extLst>
+  </p:cSld>
+  <p:clrMapOvr>
+    <a:masterClrMapping/>
+  </p:clrMapOvr>
+</p:sld>
+</file>
+
+<file path=ppt/slides/slide12.xml><?xml version="1.0" encoding="utf-8"?>
+<p:sld xmlns:a="http://schemas.openxmlformats.org/drawingml/2006/main" xmlns:r="http://schemas.openxmlformats.org/officeDocument/2006/relationships" xmlns:p="http://schemas.openxmlformats.org/presentationml/2006/main">
+  <p:cSld>
+    <p:spTree>
+      <p:nvGrpSpPr>
         <p:cNvPr id="1" name="Shape 189"/>
         <p:cNvGrpSpPr/>
         <p:nvPr/>
@@ -13158,7 +15267,7 @@
 </p:sld>
 </file>
 
-<file path=ppt/slides/slide11.xml><?xml version="1.0" encoding="utf-8"?>
+<file path=ppt/slides/slide13.xml><?xml version="1.0" encoding="utf-8"?>
 <p:sld xmlns:a="http://schemas.openxmlformats.org/drawingml/2006/main" xmlns:r="http://schemas.openxmlformats.org/officeDocument/2006/relationships" xmlns:p="http://schemas.openxmlformats.org/presentationml/2006/main">
   <p:cSld>
     <p:spTree>
@@ -13549,7 +15658,7 @@
 </p:sld>
 </file>
 
-<file path=ppt/slides/slide12.xml><?xml version="1.0" encoding="utf-8"?>
+<file path=ppt/slides/slide14.xml><?xml version="1.0" encoding="utf-8"?>
 <p:sld xmlns:a="http://schemas.openxmlformats.org/drawingml/2006/main" xmlns:r="http://schemas.openxmlformats.org/officeDocument/2006/relationships" xmlns:p="http://schemas.openxmlformats.org/presentationml/2006/main">
   <p:cSld>
     <p:spTree>
@@ -13829,7 +15938,7 @@
 </p:sld>
 </file>
 
-<file path=ppt/slides/slide13.xml><?xml version="1.0" encoding="utf-8"?>
+<file path=ppt/slides/slide15.xml><?xml version="1.0" encoding="utf-8"?>
 <p:sld xmlns:a="http://schemas.openxmlformats.org/drawingml/2006/main" xmlns:r="http://schemas.openxmlformats.org/officeDocument/2006/relationships" xmlns:p="http://schemas.openxmlformats.org/presentationml/2006/main">
   <p:cSld>
     <p:spTree>
@@ -14569,20 +16678,8 @@
           <a:p>
             <a:pPr marL="360000" indent="0" algn="just"/>
             <a:r>
-              <a:rPr lang="en-ID" dirty="0"/>
-              <a:t>Disya Nurul Ariza </a:t>
-            </a:r>
-            <a:r>
               <a:rPr lang="en-ID" dirty="0" err="1"/>
-              <a:t>adalah</a:t>
-            </a:r>
-            <a:r>
-              <a:rPr lang="en-ID" dirty="0"/>
-              <a:t> </a:t>
-            </a:r>
-            <a:r>
-              <a:rPr lang="en-ID" dirty="0" err="1"/>
-              <a:t>lulusan</a:t>
+              <a:t>Lulusan</a:t>
             </a:r>
             <a:r>
               <a:rPr lang="en-ID" dirty="0"/>
@@ -18852,7 +20949,7 @@
             </a:pPr>
             <a:r>
               <a:rPr lang="en-ID" sz="1400" dirty="0"/>
-              <a:t>Power BI &amp; Tableau</a:t>
+              <a:t>Power BI, Tableau, Looker Studio</a:t>
             </a:r>
           </a:p>
           <a:p>

--- a/Portopolio Disya.pptx
+++ b/Portopolio Disya.pptx
@@ -5,7 +5,7 @@
     <p:sldMasterId id="2147483676" r:id="rId1"/>
   </p:sldMasterIdLst>
   <p:notesMasterIdLst>
-    <p:notesMasterId r:id="rId16"/>
+    <p:notesMasterId r:id="rId17"/>
   </p:notesMasterIdLst>
   <p:sldIdLst>
     <p:sldId id="256" r:id="rId2"/>
@@ -17,23 +17,24 @@
     <p:sldId id="295" r:id="rId8"/>
     <p:sldId id="296" r:id="rId9"/>
     <p:sldId id="289" r:id="rId10"/>
-    <p:sldId id="291" r:id="rId11"/>
-    <p:sldId id="258" r:id="rId12"/>
-    <p:sldId id="275" r:id="rId13"/>
-    <p:sldId id="293" r:id="rId14"/>
-    <p:sldId id="294" r:id="rId15"/>
+    <p:sldId id="298" r:id="rId11"/>
+    <p:sldId id="291" r:id="rId12"/>
+    <p:sldId id="258" r:id="rId13"/>
+    <p:sldId id="275" r:id="rId14"/>
+    <p:sldId id="293" r:id="rId15"/>
+    <p:sldId id="294" r:id="rId16"/>
   </p:sldIdLst>
   <p:sldSz cx="9144000" cy="5143500" type="screen16x9"/>
   <p:notesSz cx="6858000" cy="9144000"/>
   <p:embeddedFontLst>
     <p:embeddedFont>
       <p:font typeface="Quicksand" panose="020B0604020202020204" charset="0"/>
-      <p:regular r:id="rId17"/>
-      <p:bold r:id="rId18"/>
+      <p:regular r:id="rId18"/>
+      <p:bold r:id="rId19"/>
     </p:embeddedFont>
     <p:embeddedFont>
       <p:font typeface="Tenor Sans" panose="020B0604020202020204" charset="0"/>
-      <p:regular r:id="rId19"/>
+      <p:regular r:id="rId20"/>
     </p:embeddedFont>
   </p:embeddedFontLst>
   <p:defaultTextStyle>
@@ -823,6 +824,133 @@
   <p:cSld>
     <p:spTree>
       <p:nvGrpSpPr>
+        <p:cNvPr id="1" name="Shape 777">
+          <a:extLst>
+            <a:ext uri="{FF2B5EF4-FFF2-40B4-BE49-F238E27FC236}">
+              <a16:creationId xmlns:a16="http://schemas.microsoft.com/office/drawing/2014/main" id="{ADF6A553-DD19-493F-E31B-9C90B7D49298}"/>
+            </a:ext>
+          </a:extLst>
+        </p:cNvPr>
+        <p:cNvGrpSpPr/>
+        <p:nvPr/>
+      </p:nvGrpSpPr>
+      <p:grpSpPr>
+        <a:xfrm>
+          <a:off x="0" y="0"/>
+          <a:ext cx="0" cy="0"/>
+          <a:chOff x="0" y="0"/>
+          <a:chExt cx="0" cy="0"/>
+        </a:xfrm>
+      </p:grpSpPr>
+      <p:sp>
+        <p:nvSpPr>
+          <p:cNvPr id="778" name="Google Shape;778;gbe8f754290_0_375:notes">
+            <a:extLst>
+              <a:ext uri="{FF2B5EF4-FFF2-40B4-BE49-F238E27FC236}">
+                <a16:creationId xmlns:a16="http://schemas.microsoft.com/office/drawing/2014/main" id="{7B1829DA-B83B-84F7-910B-5F2D28DA6D43}"/>
+              </a:ext>
+            </a:extLst>
+          </p:cNvPr>
+          <p:cNvSpPr>
+            <a:spLocks noGrp="1" noRot="1" noChangeAspect="1"/>
+          </p:cNvSpPr>
+          <p:nvPr>
+            <p:ph type="sldImg" idx="2"/>
+          </p:nvPr>
+        </p:nvSpPr>
+        <p:spPr>
+          <a:xfrm>
+            <a:off x="381000" y="685800"/>
+            <a:ext cx="6096000" cy="3429000"/>
+          </a:xfrm>
+          <a:custGeom>
+            <a:avLst/>
+            <a:gdLst/>
+            <a:ahLst/>
+            <a:cxnLst/>
+            <a:rect l="l" t="t" r="r" b="b"/>
+            <a:pathLst>
+              <a:path w="120000" h="120000" extrusionOk="0">
+                <a:moveTo>
+                  <a:pt x="0" y="0"/>
+                </a:moveTo>
+                <a:lnTo>
+                  <a:pt x="120000" y="0"/>
+                </a:lnTo>
+                <a:lnTo>
+                  <a:pt x="120000" y="120000"/>
+                </a:lnTo>
+                <a:lnTo>
+                  <a:pt x="0" y="120000"/>
+                </a:lnTo>
+                <a:close/>
+              </a:path>
+            </a:pathLst>
+          </a:custGeom>
+        </p:spPr>
+      </p:sp>
+      <p:sp>
+        <p:nvSpPr>
+          <p:cNvPr id="779" name="Google Shape;779;gbe8f754290_0_375:notes">
+            <a:extLst>
+              <a:ext uri="{FF2B5EF4-FFF2-40B4-BE49-F238E27FC236}">
+                <a16:creationId xmlns:a16="http://schemas.microsoft.com/office/drawing/2014/main" id="{31FCA306-0FEC-4D66-4E00-C6EDEFE962E3}"/>
+              </a:ext>
+            </a:extLst>
+          </p:cNvPr>
+          <p:cNvSpPr txBox="1">
+            <a:spLocks noGrp="1"/>
+          </p:cNvSpPr>
+          <p:nvPr>
+            <p:ph type="body" idx="1"/>
+          </p:nvPr>
+        </p:nvSpPr>
+        <p:spPr>
+          <a:xfrm>
+            <a:off x="685800" y="4343400"/>
+            <a:ext cx="5486400" cy="4114800"/>
+          </a:xfrm>
+          <a:prstGeom prst="rect">
+            <a:avLst/>
+          </a:prstGeom>
+        </p:spPr>
+        <p:txBody>
+          <a:bodyPr spcFirstLastPara="1" wrap="square" lIns="91425" tIns="91425" rIns="91425" bIns="91425" anchor="t" anchorCtr="0">
+            <a:noAutofit/>
+          </a:bodyPr>
+          <a:lstStyle/>
+          <a:p>
+            <a:pPr marL="0" lvl="0" indent="0" algn="l" rtl="0">
+              <a:spcBef>
+                <a:spcPts val="0"/>
+              </a:spcBef>
+              <a:spcAft>
+                <a:spcPts val="0"/>
+              </a:spcAft>
+              <a:buNone/>
+            </a:pPr>
+            <a:endParaRPr dirty="0"/>
+          </a:p>
+        </p:txBody>
+      </p:sp>
+    </p:spTree>
+    <p:extLst>
+      <p:ext uri="{BB962C8B-B14F-4D97-AF65-F5344CB8AC3E}">
+        <p14:creationId xmlns:p14="http://schemas.microsoft.com/office/powerpoint/2010/main" val="81720615"/>
+      </p:ext>
+    </p:extLst>
+  </p:cSld>
+  <p:clrMapOvr>
+    <a:masterClrMapping/>
+  </p:clrMapOvr>
+</p:notes>
+</file>
+
+<file path=ppt/notesSlides/notesSlide11.xml><?xml version="1.0" encoding="utf-8"?>
+<p:notes xmlns:a="http://schemas.openxmlformats.org/drawingml/2006/main" xmlns:r="http://schemas.openxmlformats.org/officeDocument/2006/relationships" xmlns:p="http://schemas.openxmlformats.org/presentationml/2006/main" showMasterSp="0" showMasterPhAnim="0">
+  <p:cSld>
+    <p:spTree>
+      <p:nvGrpSpPr>
         <p:cNvPr id="1" name="Shape 748">
           <a:extLst>
             <a:ext uri="{FF2B5EF4-FFF2-40B4-BE49-F238E27FC236}">
@@ -945,7 +1073,7 @@
 </p:notes>
 </file>
 
-<file path=ppt/notesSlides/notesSlide11.xml><?xml version="1.0" encoding="utf-8"?>
+<file path=ppt/notesSlides/notesSlide12.xml><?xml version="1.0" encoding="utf-8"?>
 <p:notes xmlns:a="http://schemas.openxmlformats.org/drawingml/2006/main" xmlns:r="http://schemas.openxmlformats.org/officeDocument/2006/relationships" xmlns:p="http://schemas.openxmlformats.org/presentationml/2006/main" showMasterSp="0" showMasterPhAnim="0">
   <p:cSld>
     <p:spTree>
@@ -1049,7 +1177,7 @@
 </p:notes>
 </file>
 
-<file path=ppt/notesSlides/notesSlide12.xml><?xml version="1.0" encoding="utf-8"?>
+<file path=ppt/notesSlides/notesSlide13.xml><?xml version="1.0" encoding="utf-8"?>
 <p:notes xmlns:a="http://schemas.openxmlformats.org/drawingml/2006/main" xmlns:r="http://schemas.openxmlformats.org/officeDocument/2006/relationships" xmlns:p="http://schemas.openxmlformats.org/presentationml/2006/main" showMasterSp="0" showMasterPhAnim="0">
   <p:cSld>
     <p:spTree>
@@ -1153,7 +1281,7 @@
 </p:notes>
 </file>
 
-<file path=ppt/notesSlides/notesSlide13.xml><?xml version="1.0" encoding="utf-8"?>
+<file path=ppt/notesSlides/notesSlide14.xml><?xml version="1.0" encoding="utf-8"?>
 <p:notes xmlns:a="http://schemas.openxmlformats.org/drawingml/2006/main" xmlns:r="http://schemas.openxmlformats.org/officeDocument/2006/relationships" xmlns:p="http://schemas.openxmlformats.org/presentationml/2006/main" showMasterSp="0" showMasterPhAnim="0">
   <p:cSld>
     <p:spTree>
@@ -1280,7 +1408,7 @@
 </p:notes>
 </file>
 
-<file path=ppt/notesSlides/notesSlide14.xml><?xml version="1.0" encoding="utf-8"?>
+<file path=ppt/notesSlides/notesSlide15.xml><?xml version="1.0" encoding="utf-8"?>
 <p:notes xmlns:a="http://schemas.openxmlformats.org/drawingml/2006/main" xmlns:r="http://schemas.openxmlformats.org/officeDocument/2006/relationships" xmlns:p="http://schemas.openxmlformats.org/presentationml/2006/main" showMasterSp="0" showMasterPhAnim="0">
   <p:cSld>
     <p:spTree>
@@ -9328,6 +9456,847 @@
   <p:cSld>
     <p:spTree>
       <p:nvGrpSpPr>
+        <p:cNvPr id="1" name="Shape 780">
+          <a:extLst>
+            <a:ext uri="{FF2B5EF4-FFF2-40B4-BE49-F238E27FC236}">
+              <a16:creationId xmlns:a16="http://schemas.microsoft.com/office/drawing/2014/main" id="{A98A1892-2CD9-68BF-3C76-0A4F64439169}"/>
+            </a:ext>
+          </a:extLst>
+        </p:cNvPr>
+        <p:cNvGrpSpPr/>
+        <p:nvPr/>
+      </p:nvGrpSpPr>
+      <p:grpSpPr>
+        <a:xfrm>
+          <a:off x="0" y="0"/>
+          <a:ext cx="0" cy="0"/>
+          <a:chOff x="0" y="0"/>
+          <a:chExt cx="0" cy="0"/>
+        </a:xfrm>
+      </p:grpSpPr>
+      <p:cxnSp>
+        <p:nvCxnSpPr>
+          <p:cNvPr id="781" name="Google Shape;781;p45">
+            <a:extLst>
+              <a:ext uri="{FF2B5EF4-FFF2-40B4-BE49-F238E27FC236}">
+                <a16:creationId xmlns:a16="http://schemas.microsoft.com/office/drawing/2014/main" id="{1DC9E43C-DF24-681F-33DF-1DB06004602F}"/>
+              </a:ext>
+            </a:extLst>
+          </p:cNvPr>
+          <p:cNvCxnSpPr/>
+          <p:nvPr/>
+        </p:nvCxnSpPr>
+        <p:spPr>
+          <a:xfrm>
+            <a:off x="628650" y="514350"/>
+            <a:ext cx="7922400" cy="0"/>
+          </a:xfrm>
+          <a:prstGeom prst="straightConnector1">
+            <a:avLst/>
+          </a:prstGeom>
+          <a:noFill/>
+          <a:ln w="19050" cap="flat" cmpd="sng">
+            <a:solidFill>
+              <a:schemeClr val="dk2"/>
+            </a:solidFill>
+            <a:prstDash val="solid"/>
+            <a:round/>
+            <a:headEnd type="none" w="med" len="med"/>
+            <a:tailEnd type="none" w="med" len="med"/>
+          </a:ln>
+        </p:spPr>
+      </p:cxnSp>
+      <p:sp>
+        <p:nvSpPr>
+          <p:cNvPr id="782" name="Google Shape;782;p45">
+            <a:extLst>
+              <a:ext uri="{FF2B5EF4-FFF2-40B4-BE49-F238E27FC236}">
+                <a16:creationId xmlns:a16="http://schemas.microsoft.com/office/drawing/2014/main" id="{D7C9504E-2509-614B-BE84-3C4FC8AEF3EC}"/>
+              </a:ext>
+            </a:extLst>
+          </p:cNvPr>
+          <p:cNvSpPr txBox="1">
+            <a:spLocks noGrp="1"/>
+          </p:cNvSpPr>
+          <p:nvPr>
+            <p:ph type="title"/>
+          </p:nvPr>
+        </p:nvSpPr>
+        <p:spPr>
+          <a:xfrm>
+            <a:off x="4485129" y="514350"/>
+            <a:ext cx="2940300" cy="755700"/>
+          </a:xfrm>
+          <a:prstGeom prst="rect">
+            <a:avLst/>
+          </a:prstGeom>
+        </p:spPr>
+        <p:txBody>
+          <a:bodyPr spcFirstLastPara="1" wrap="square" lIns="91425" tIns="91425" rIns="91425" bIns="91425" anchor="b" anchorCtr="0">
+            <a:noAutofit/>
+          </a:bodyPr>
+          <a:lstStyle/>
+          <a:p>
+            <a:pPr marL="0" lvl="0" indent="0" algn="r" rtl="0">
+              <a:spcBef>
+                <a:spcPts val="0"/>
+              </a:spcBef>
+              <a:spcAft>
+                <a:spcPts val="0"/>
+              </a:spcAft>
+              <a:buNone/>
+            </a:pPr>
+            <a:r>
+              <a:rPr lang="en" dirty="0"/>
+              <a:t>PROJECT 06</a:t>
+            </a:r>
+            <a:endParaRPr dirty="0"/>
+          </a:p>
+        </p:txBody>
+      </p:sp>
+      <p:sp>
+        <p:nvSpPr>
+          <p:cNvPr id="829" name="Google Shape;829;p45">
+            <a:extLst>
+              <a:ext uri="{FF2B5EF4-FFF2-40B4-BE49-F238E27FC236}">
+                <a16:creationId xmlns:a16="http://schemas.microsoft.com/office/drawing/2014/main" id="{A58FD5AB-401D-AEB9-F980-B89922D1BE0B}"/>
+              </a:ext>
+            </a:extLst>
+          </p:cNvPr>
+          <p:cNvSpPr/>
+          <p:nvPr/>
+        </p:nvSpPr>
+        <p:spPr>
+          <a:xfrm>
+            <a:off x="7587850" y="592400"/>
+            <a:ext cx="407700" cy="179700"/>
+          </a:xfrm>
+          <a:prstGeom prst="roundRect">
+            <a:avLst>
+              <a:gd name="adj" fmla="val 50000"/>
+            </a:avLst>
+          </a:prstGeom>
+          <a:noFill/>
+          <a:ln w="9525" cap="flat" cmpd="sng">
+            <a:solidFill>
+              <a:schemeClr val="accent2"/>
+            </a:solidFill>
+            <a:prstDash val="solid"/>
+            <a:round/>
+            <a:headEnd type="none" w="sm" len="sm"/>
+            <a:tailEnd type="none" w="sm" len="sm"/>
+          </a:ln>
+        </p:spPr>
+        <p:txBody>
+          <a:bodyPr spcFirstLastPara="1" wrap="square" lIns="91425" tIns="91425" rIns="91425" bIns="91425" anchor="ctr" anchorCtr="0">
+            <a:noAutofit/>
+          </a:bodyPr>
+          <a:lstStyle/>
+          <a:p>
+            <a:pPr marL="0" lvl="0" indent="0" algn="l" rtl="0">
+              <a:spcBef>
+                <a:spcPts val="0"/>
+              </a:spcBef>
+              <a:spcAft>
+                <a:spcPts val="0"/>
+              </a:spcAft>
+              <a:buNone/>
+            </a:pPr>
+            <a:endParaRPr/>
+          </a:p>
+        </p:txBody>
+      </p:sp>
+      <p:sp>
+        <p:nvSpPr>
+          <p:cNvPr id="830" name="Google Shape;830;p45">
+            <a:extLst>
+              <a:ext uri="{FF2B5EF4-FFF2-40B4-BE49-F238E27FC236}">
+                <a16:creationId xmlns:a16="http://schemas.microsoft.com/office/drawing/2014/main" id="{7A644B90-03D9-7C55-A53E-BD464948F860}"/>
+              </a:ext>
+            </a:extLst>
+          </p:cNvPr>
+          <p:cNvSpPr/>
+          <p:nvPr/>
+        </p:nvSpPr>
+        <p:spPr>
+          <a:xfrm>
+            <a:off x="8022375" y="592400"/>
+            <a:ext cx="407700" cy="179700"/>
+          </a:xfrm>
+          <a:prstGeom prst="roundRect">
+            <a:avLst>
+              <a:gd name="adj" fmla="val 50000"/>
+            </a:avLst>
+          </a:prstGeom>
+          <a:noFill/>
+          <a:ln w="9525" cap="flat" cmpd="sng">
+            <a:solidFill>
+              <a:schemeClr val="accent2"/>
+            </a:solidFill>
+            <a:prstDash val="solid"/>
+            <a:round/>
+            <a:headEnd type="none" w="sm" len="sm"/>
+            <a:tailEnd type="none" w="sm" len="sm"/>
+          </a:ln>
+        </p:spPr>
+        <p:txBody>
+          <a:bodyPr spcFirstLastPara="1" wrap="square" lIns="91425" tIns="91425" rIns="91425" bIns="91425" anchor="ctr" anchorCtr="0">
+            <a:noAutofit/>
+          </a:bodyPr>
+          <a:lstStyle/>
+          <a:p>
+            <a:pPr marL="0" lvl="0" indent="0" algn="l" rtl="0">
+              <a:spcBef>
+                <a:spcPts val="0"/>
+              </a:spcBef>
+              <a:spcAft>
+                <a:spcPts val="0"/>
+              </a:spcAft>
+              <a:buNone/>
+            </a:pPr>
+            <a:endParaRPr/>
+          </a:p>
+        </p:txBody>
+      </p:sp>
+      <p:cxnSp>
+        <p:nvCxnSpPr>
+          <p:cNvPr id="833" name="Google Shape;833;p45">
+            <a:extLst>
+              <a:ext uri="{FF2B5EF4-FFF2-40B4-BE49-F238E27FC236}">
+                <a16:creationId xmlns:a16="http://schemas.microsoft.com/office/drawing/2014/main" id="{CD823CF2-D99F-D652-F582-70F393B13759}"/>
+              </a:ext>
+            </a:extLst>
+          </p:cNvPr>
+          <p:cNvCxnSpPr/>
+          <p:nvPr/>
+        </p:nvCxnSpPr>
+        <p:spPr>
+          <a:xfrm>
+            <a:off x="8551050" y="2264575"/>
+            <a:ext cx="0" cy="2628900"/>
+          </a:xfrm>
+          <a:prstGeom prst="straightConnector1">
+            <a:avLst/>
+          </a:prstGeom>
+          <a:noFill/>
+          <a:ln w="19050" cap="flat" cmpd="sng">
+            <a:solidFill>
+              <a:schemeClr val="dk2"/>
+            </a:solidFill>
+            <a:prstDash val="solid"/>
+            <a:round/>
+            <a:headEnd type="none" w="med" len="med"/>
+            <a:tailEnd type="none" w="med" len="med"/>
+          </a:ln>
+        </p:spPr>
+      </p:cxnSp>
+      <p:sp>
+        <p:nvSpPr>
+          <p:cNvPr id="2" name="Google Shape;782;p45">
+            <a:extLst>
+              <a:ext uri="{FF2B5EF4-FFF2-40B4-BE49-F238E27FC236}">
+                <a16:creationId xmlns:a16="http://schemas.microsoft.com/office/drawing/2014/main" id="{2D0EA113-2741-BE67-B796-468E267B5FA3}"/>
+              </a:ext>
+            </a:extLst>
+          </p:cNvPr>
+          <p:cNvSpPr txBox="1">
+            <a:spLocks/>
+          </p:cNvSpPr>
+          <p:nvPr/>
+        </p:nvSpPr>
+        <p:spPr>
+          <a:xfrm>
+            <a:off x="2699657" y="1348099"/>
+            <a:ext cx="5724343" cy="1004279"/>
+          </a:xfrm>
+          <a:prstGeom prst="rect">
+            <a:avLst/>
+          </a:prstGeom>
+          <a:noFill/>
+          <a:ln>
+            <a:noFill/>
+          </a:ln>
+        </p:spPr>
+        <p:txBody>
+          <a:bodyPr spcFirstLastPara="1" wrap="square" lIns="91425" tIns="91425" rIns="91425" bIns="91425" anchor="b" anchorCtr="0">
+            <a:noAutofit/>
+          </a:bodyPr>
+          <a:lstStyle>
+            <a:defPPr marR="0" lvl="0" algn="l" rtl="0">
+              <a:lnSpc>
+                <a:spcPct val="100000"/>
+              </a:lnSpc>
+              <a:spcBef>
+                <a:spcPts val="0"/>
+              </a:spcBef>
+              <a:spcAft>
+                <a:spcPts val="0"/>
+              </a:spcAft>
+            </a:defPPr>
+            <a:lvl1pPr marR="0" lvl="0" algn="r" rtl="0">
+              <a:lnSpc>
+                <a:spcPct val="100000"/>
+              </a:lnSpc>
+              <a:spcBef>
+                <a:spcPts val="0"/>
+              </a:spcBef>
+              <a:spcAft>
+                <a:spcPts val="0"/>
+              </a:spcAft>
+              <a:buClr>
+                <a:schemeClr val="dk1"/>
+              </a:buClr>
+              <a:buSzPts val="2800"/>
+              <a:buFont typeface="Tenor Sans"/>
+              <a:buNone/>
+              <a:defRPr sz="2800" b="0" i="0" u="none" strike="noStrike" cap="none">
+                <a:solidFill>
+                  <a:schemeClr val="dk1"/>
+                </a:solidFill>
+                <a:latin typeface="Tenor Sans"/>
+                <a:ea typeface="Tenor Sans"/>
+                <a:cs typeface="Tenor Sans"/>
+                <a:sym typeface="Tenor Sans"/>
+              </a:defRPr>
+            </a:lvl1pPr>
+            <a:lvl2pPr marR="0" lvl="1" algn="r" rtl="0">
+              <a:lnSpc>
+                <a:spcPct val="100000"/>
+              </a:lnSpc>
+              <a:spcBef>
+                <a:spcPts val="0"/>
+              </a:spcBef>
+              <a:spcAft>
+                <a:spcPts val="0"/>
+              </a:spcAft>
+              <a:buClr>
+                <a:schemeClr val="dk1"/>
+              </a:buClr>
+              <a:buSzPts val="2400"/>
+              <a:buFont typeface="Arial"/>
+              <a:buNone/>
+              <a:defRPr sz="2400" b="0" i="0" u="none" strike="noStrike" cap="none">
+                <a:solidFill>
+                  <a:schemeClr val="dk1"/>
+                </a:solidFill>
+                <a:latin typeface="Arial"/>
+                <a:ea typeface="Arial"/>
+                <a:cs typeface="Arial"/>
+                <a:sym typeface="Arial"/>
+              </a:defRPr>
+            </a:lvl2pPr>
+            <a:lvl3pPr marR="0" lvl="2" algn="r" rtl="0">
+              <a:lnSpc>
+                <a:spcPct val="100000"/>
+              </a:lnSpc>
+              <a:spcBef>
+                <a:spcPts val="0"/>
+              </a:spcBef>
+              <a:spcAft>
+                <a:spcPts val="0"/>
+              </a:spcAft>
+              <a:buClr>
+                <a:schemeClr val="dk1"/>
+              </a:buClr>
+              <a:buSzPts val="2400"/>
+              <a:buFont typeface="Arial"/>
+              <a:buNone/>
+              <a:defRPr sz="2400" b="0" i="0" u="none" strike="noStrike" cap="none">
+                <a:solidFill>
+                  <a:schemeClr val="dk1"/>
+                </a:solidFill>
+                <a:latin typeface="Arial"/>
+                <a:ea typeface="Arial"/>
+                <a:cs typeface="Arial"/>
+                <a:sym typeface="Arial"/>
+              </a:defRPr>
+            </a:lvl3pPr>
+            <a:lvl4pPr marR="0" lvl="3" algn="r" rtl="0">
+              <a:lnSpc>
+                <a:spcPct val="100000"/>
+              </a:lnSpc>
+              <a:spcBef>
+                <a:spcPts val="0"/>
+              </a:spcBef>
+              <a:spcAft>
+                <a:spcPts val="0"/>
+              </a:spcAft>
+              <a:buClr>
+                <a:schemeClr val="dk1"/>
+              </a:buClr>
+              <a:buSzPts val="2400"/>
+              <a:buFont typeface="Arial"/>
+              <a:buNone/>
+              <a:defRPr sz="2400" b="0" i="0" u="none" strike="noStrike" cap="none">
+                <a:solidFill>
+                  <a:schemeClr val="dk1"/>
+                </a:solidFill>
+                <a:latin typeface="Arial"/>
+                <a:ea typeface="Arial"/>
+                <a:cs typeface="Arial"/>
+                <a:sym typeface="Arial"/>
+              </a:defRPr>
+            </a:lvl4pPr>
+            <a:lvl5pPr marR="0" lvl="4" algn="r" rtl="0">
+              <a:lnSpc>
+                <a:spcPct val="100000"/>
+              </a:lnSpc>
+              <a:spcBef>
+                <a:spcPts val="0"/>
+              </a:spcBef>
+              <a:spcAft>
+                <a:spcPts val="0"/>
+              </a:spcAft>
+              <a:buClr>
+                <a:schemeClr val="dk1"/>
+              </a:buClr>
+              <a:buSzPts val="2400"/>
+              <a:buFont typeface="Arial"/>
+              <a:buNone/>
+              <a:defRPr sz="2400" b="0" i="0" u="none" strike="noStrike" cap="none">
+                <a:solidFill>
+                  <a:schemeClr val="dk1"/>
+                </a:solidFill>
+                <a:latin typeface="Arial"/>
+                <a:ea typeface="Arial"/>
+                <a:cs typeface="Arial"/>
+                <a:sym typeface="Arial"/>
+              </a:defRPr>
+            </a:lvl5pPr>
+            <a:lvl6pPr marR="0" lvl="5" algn="r" rtl="0">
+              <a:lnSpc>
+                <a:spcPct val="100000"/>
+              </a:lnSpc>
+              <a:spcBef>
+                <a:spcPts val="0"/>
+              </a:spcBef>
+              <a:spcAft>
+                <a:spcPts val="0"/>
+              </a:spcAft>
+              <a:buClr>
+                <a:schemeClr val="dk1"/>
+              </a:buClr>
+              <a:buSzPts val="2400"/>
+              <a:buFont typeface="Arial"/>
+              <a:buNone/>
+              <a:defRPr sz="2400" b="0" i="0" u="none" strike="noStrike" cap="none">
+                <a:solidFill>
+                  <a:schemeClr val="dk1"/>
+                </a:solidFill>
+                <a:latin typeface="Arial"/>
+                <a:ea typeface="Arial"/>
+                <a:cs typeface="Arial"/>
+                <a:sym typeface="Arial"/>
+              </a:defRPr>
+            </a:lvl6pPr>
+            <a:lvl7pPr marR="0" lvl="6" algn="r" rtl="0">
+              <a:lnSpc>
+                <a:spcPct val="100000"/>
+              </a:lnSpc>
+              <a:spcBef>
+                <a:spcPts val="0"/>
+              </a:spcBef>
+              <a:spcAft>
+                <a:spcPts val="0"/>
+              </a:spcAft>
+              <a:buClr>
+                <a:schemeClr val="dk1"/>
+              </a:buClr>
+              <a:buSzPts val="2400"/>
+              <a:buFont typeface="Arial"/>
+              <a:buNone/>
+              <a:defRPr sz="2400" b="0" i="0" u="none" strike="noStrike" cap="none">
+                <a:solidFill>
+                  <a:schemeClr val="dk1"/>
+                </a:solidFill>
+                <a:latin typeface="Arial"/>
+                <a:ea typeface="Arial"/>
+                <a:cs typeface="Arial"/>
+                <a:sym typeface="Arial"/>
+              </a:defRPr>
+            </a:lvl7pPr>
+            <a:lvl8pPr marR="0" lvl="7" algn="r" rtl="0">
+              <a:lnSpc>
+                <a:spcPct val="100000"/>
+              </a:lnSpc>
+              <a:spcBef>
+                <a:spcPts val="0"/>
+              </a:spcBef>
+              <a:spcAft>
+                <a:spcPts val="0"/>
+              </a:spcAft>
+              <a:buClr>
+                <a:schemeClr val="dk1"/>
+              </a:buClr>
+              <a:buSzPts val="2400"/>
+              <a:buFont typeface="Arial"/>
+              <a:buNone/>
+              <a:defRPr sz="2400" b="0" i="0" u="none" strike="noStrike" cap="none">
+                <a:solidFill>
+                  <a:schemeClr val="dk1"/>
+                </a:solidFill>
+                <a:latin typeface="Arial"/>
+                <a:ea typeface="Arial"/>
+                <a:cs typeface="Arial"/>
+                <a:sym typeface="Arial"/>
+              </a:defRPr>
+            </a:lvl8pPr>
+            <a:lvl9pPr marR="0" lvl="8" algn="r" rtl="0">
+              <a:lnSpc>
+                <a:spcPct val="100000"/>
+              </a:lnSpc>
+              <a:spcBef>
+                <a:spcPts val="0"/>
+              </a:spcBef>
+              <a:spcAft>
+                <a:spcPts val="0"/>
+              </a:spcAft>
+              <a:buClr>
+                <a:schemeClr val="dk1"/>
+              </a:buClr>
+              <a:buSzPts val="2400"/>
+              <a:buFont typeface="Arial"/>
+              <a:buNone/>
+              <a:defRPr sz="2400" b="0" i="0" u="none" strike="noStrike" cap="none">
+                <a:solidFill>
+                  <a:schemeClr val="dk1"/>
+                </a:solidFill>
+                <a:latin typeface="Arial"/>
+                <a:ea typeface="Arial"/>
+                <a:cs typeface="Arial"/>
+                <a:sym typeface="Arial"/>
+              </a:defRPr>
+            </a:lvl9pPr>
+          </a:lstStyle>
+          <a:p>
+            <a:r>
+              <a:rPr lang="en-US" dirty="0"/>
+              <a:t>COVID-19 Dashboard Indonesia (Power BI)</a:t>
+            </a:r>
+            <a:endParaRPr lang="sv-SE" sz="2500" b="1" dirty="0"/>
+          </a:p>
+        </p:txBody>
+      </p:sp>
+      <p:sp>
+        <p:nvSpPr>
+          <p:cNvPr id="20" name="Rectangle 1">
+            <a:extLst>
+              <a:ext uri="{FF2B5EF4-FFF2-40B4-BE49-F238E27FC236}">
+                <a16:creationId xmlns:a16="http://schemas.microsoft.com/office/drawing/2014/main" id="{2924DF49-2127-B39C-84AE-FA1043447C21}"/>
+              </a:ext>
+            </a:extLst>
+          </p:cNvPr>
+          <p:cNvSpPr>
+            <a:spLocks noGrp="1" noChangeArrowheads="1"/>
+          </p:cNvSpPr>
+          <p:nvPr>
+            <p:ph type="subTitle" idx="1"/>
+          </p:nvPr>
+        </p:nvSpPr>
+        <p:spPr bwMode="auto">
+          <a:xfrm>
+            <a:off x="4280302" y="2669055"/>
+            <a:ext cx="4143698" cy="1938992"/>
+          </a:xfrm>
+          <a:prstGeom prst="rect">
+            <a:avLst/>
+          </a:prstGeom>
+          <a:noFill/>
+          <a:ln>
+            <a:noFill/>
+          </a:ln>
+          <a:effectLst/>
+          <a:extLst>
+            <a:ext uri="{909E8E84-426E-40DD-AFC4-6F175D3DCCD1}">
+              <a14:hiddenFill xmlns:a14="http://schemas.microsoft.com/office/drawing/2010/main">
+                <a:solidFill>
+                  <a:schemeClr val="accent1"/>
+                </a:solidFill>
+              </a14:hiddenFill>
+            </a:ext>
+            <a:ext uri="{91240B29-F687-4F45-9708-019B960494DF}">
+              <a14:hiddenLine xmlns:a14="http://schemas.microsoft.com/office/drawing/2010/main" w="9525">
+                <a:solidFill>
+                  <a:schemeClr val="tx1"/>
+                </a:solidFill>
+                <a:miter lim="800000"/>
+                <a:headEnd/>
+                <a:tailEnd/>
+              </a14:hiddenLine>
+            </a:ext>
+            <a:ext uri="{AF507438-7753-43E0-B8FC-AC1667EBCBE1}">
+              <a14:hiddenEffects xmlns:a14="http://schemas.microsoft.com/office/drawing/2010/main">
+                <a:effectLst>
+                  <a:outerShdw dist="35921" dir="2700000" algn="ctr" rotWithShape="0">
+                    <a:schemeClr val="bg2"/>
+                  </a:outerShdw>
+                </a:effectLst>
+              </a14:hiddenEffects>
+            </a:ext>
+          </a:extLst>
+        </p:spPr>
+        <p:txBody>
+          <a:bodyPr vert="horz" wrap="square" lIns="91440" tIns="45720" rIns="91440" bIns="45720" numCol="1" anchor="ctr" anchorCtr="0" compatLnSpc="1">
+            <a:prstTxWarp prst="textNoShape">
+              <a:avLst/>
+            </a:prstTxWarp>
+            <a:spAutoFit/>
+          </a:bodyPr>
+          <a:lstStyle/>
+          <a:p>
+            <a:pPr marL="285750" indent="-171450" algn="l">
+              <a:buFont typeface="Arial" panose="020B0604020202020204" pitchFamily="34" charset="0"/>
+              <a:buChar char="•"/>
+            </a:pPr>
+            <a:r>
+              <a:rPr lang="en-ID" sz="1200" dirty="0" err="1"/>
+              <a:t>Mengembangkan</a:t>
+            </a:r>
+            <a:r>
+              <a:rPr lang="en-ID" sz="1200" dirty="0"/>
+              <a:t> dashboard </a:t>
+            </a:r>
+            <a:r>
+              <a:rPr lang="en-ID" sz="1200" dirty="0" err="1"/>
+              <a:t>interaktif</a:t>
+            </a:r>
+            <a:r>
+              <a:rPr lang="en-ID" sz="1200" dirty="0"/>
+              <a:t> COVID-19 Indonesia </a:t>
+            </a:r>
+            <a:r>
+              <a:rPr lang="en-ID" sz="1200" dirty="0" err="1"/>
+              <a:t>menggunakan</a:t>
+            </a:r>
+            <a:r>
+              <a:rPr lang="en-ID" sz="1200" dirty="0"/>
+              <a:t> Microsoft Power BI</a:t>
+            </a:r>
+          </a:p>
+          <a:p>
+            <a:pPr marL="285750" indent="-171450" algn="l">
+              <a:buFont typeface="Arial" panose="020B0604020202020204" pitchFamily="34" charset="0"/>
+              <a:buChar char="•"/>
+            </a:pPr>
+            <a:r>
+              <a:rPr lang="en-ID" sz="1200" dirty="0" err="1"/>
+              <a:t>Menyajikan</a:t>
+            </a:r>
+            <a:r>
+              <a:rPr lang="en-ID" sz="1200" dirty="0"/>
+              <a:t> KPI </a:t>
+            </a:r>
+            <a:r>
+              <a:rPr lang="en-ID" sz="1200" dirty="0" err="1"/>
+              <a:t>utama</a:t>
+            </a:r>
+            <a:r>
+              <a:rPr lang="en-ID" sz="1200" dirty="0"/>
+              <a:t>: total </a:t>
+            </a:r>
+            <a:r>
+              <a:rPr lang="en-ID" sz="1200" dirty="0" err="1"/>
+              <a:t>kasus</a:t>
+            </a:r>
+            <a:r>
+              <a:rPr lang="en-ID" sz="1200" dirty="0"/>
+              <a:t>, total </a:t>
+            </a:r>
+            <a:r>
+              <a:rPr lang="en-ID" sz="1200" dirty="0" err="1"/>
+              <a:t>kematian</a:t>
+            </a:r>
+            <a:r>
+              <a:rPr lang="en-ID" sz="1200" dirty="0"/>
+              <a:t>, dan total </a:t>
+            </a:r>
+            <a:r>
+              <a:rPr lang="en-ID" sz="1200" dirty="0" err="1"/>
+              <a:t>sembuh</a:t>
+            </a:r>
+            <a:endParaRPr lang="en-ID" sz="1200" dirty="0"/>
+          </a:p>
+          <a:p>
+            <a:pPr marL="285750" indent="-171450" algn="l">
+              <a:buFont typeface="Arial" panose="020B0604020202020204" pitchFamily="34" charset="0"/>
+              <a:buChar char="•"/>
+            </a:pPr>
+            <a:r>
+              <a:rPr lang="en-ID" sz="1200" dirty="0" err="1"/>
+              <a:t>Membuat</a:t>
+            </a:r>
+            <a:r>
+              <a:rPr lang="en-ID" sz="1200" dirty="0"/>
+              <a:t> </a:t>
+            </a:r>
+            <a:r>
+              <a:rPr lang="en-ID" sz="1200" dirty="0" err="1"/>
+              <a:t>peta</a:t>
+            </a:r>
+            <a:r>
+              <a:rPr lang="en-ID" sz="1200" dirty="0"/>
+              <a:t> </a:t>
+            </a:r>
+            <a:r>
+              <a:rPr lang="en-ID" sz="1200" dirty="0" err="1"/>
+              <a:t>persebaran</a:t>
+            </a:r>
+            <a:r>
+              <a:rPr lang="en-ID" sz="1200" dirty="0"/>
+              <a:t> COVID-19 per </a:t>
+            </a:r>
+            <a:r>
+              <a:rPr lang="en-ID" sz="1200" dirty="0" err="1"/>
+              <a:t>provinsi</a:t>
+            </a:r>
+            <a:r>
+              <a:rPr lang="en-ID" sz="1200" dirty="0"/>
+              <a:t> </a:t>
+            </a:r>
+            <a:r>
+              <a:rPr lang="en-ID" sz="1200" dirty="0" err="1"/>
+              <a:t>untuk</a:t>
+            </a:r>
+            <a:r>
+              <a:rPr lang="en-ID" sz="1200" dirty="0"/>
+              <a:t> </a:t>
+            </a:r>
+            <a:r>
+              <a:rPr lang="en-ID" sz="1200" dirty="0" err="1"/>
+              <a:t>analisis</a:t>
+            </a:r>
+            <a:r>
+              <a:rPr lang="en-ID" sz="1200" dirty="0"/>
+              <a:t> </a:t>
+            </a:r>
+            <a:r>
+              <a:rPr lang="en-ID" sz="1200" dirty="0" err="1"/>
+              <a:t>geografis</a:t>
+            </a:r>
+            <a:endParaRPr lang="en-ID" sz="1200" dirty="0"/>
+          </a:p>
+          <a:p>
+            <a:pPr marL="285750" indent="-171450" algn="l">
+              <a:buFont typeface="Arial" panose="020B0604020202020204" pitchFamily="34" charset="0"/>
+              <a:buChar char="•"/>
+            </a:pPr>
+            <a:r>
+              <a:rPr lang="fi-FI" sz="1200" dirty="0"/>
+              <a:t>Menganalisis tren tahunan kasus, kematian, dan kesembuhan (2020–2024)</a:t>
+            </a:r>
+          </a:p>
+          <a:p>
+            <a:pPr marL="285750" indent="-171450" algn="l">
+              <a:buFont typeface="Arial" panose="020B0604020202020204" pitchFamily="34" charset="0"/>
+              <a:buChar char="•"/>
+            </a:pPr>
+            <a:r>
+              <a:rPr lang="en-ID" sz="1200" dirty="0" err="1"/>
+              <a:t>Menggunakan</a:t>
+            </a:r>
+            <a:r>
+              <a:rPr lang="en-ID" sz="1200" dirty="0"/>
+              <a:t> visual </a:t>
+            </a:r>
+            <a:r>
+              <a:rPr lang="en-ID" sz="1200" dirty="0" err="1"/>
+              <a:t>interaktif</a:t>
+            </a:r>
+            <a:r>
+              <a:rPr lang="en-ID" sz="1200" dirty="0"/>
+              <a:t> </a:t>
+            </a:r>
+            <a:r>
+              <a:rPr lang="en-ID" sz="1200" dirty="0" err="1"/>
+              <a:t>untuk</a:t>
+            </a:r>
+            <a:r>
+              <a:rPr lang="en-ID" sz="1200" dirty="0"/>
+              <a:t> </a:t>
+            </a:r>
+            <a:r>
+              <a:rPr lang="en-ID" sz="1200" dirty="0" err="1"/>
+              <a:t>memudahkan</a:t>
+            </a:r>
+            <a:r>
+              <a:rPr lang="en-ID" sz="1200" dirty="0"/>
+              <a:t> insight dan </a:t>
+            </a:r>
+            <a:r>
+              <a:rPr lang="en-ID" sz="1200" dirty="0" err="1"/>
+              <a:t>pengambilan</a:t>
+            </a:r>
+            <a:r>
+              <a:rPr lang="en-ID" sz="1200" dirty="0"/>
+              <a:t> </a:t>
+            </a:r>
+            <a:r>
+              <a:rPr lang="en-ID" sz="1200" dirty="0" err="1"/>
+              <a:t>keputusan</a:t>
+            </a:r>
+            <a:r>
+              <a:rPr lang="en-ID" sz="1200" dirty="0"/>
+              <a:t> </a:t>
+            </a:r>
+            <a:r>
+              <a:rPr lang="en-ID" sz="1200" dirty="0" err="1"/>
+              <a:t>berbasis</a:t>
+            </a:r>
+            <a:r>
+              <a:rPr lang="en-ID" sz="1200" dirty="0"/>
+              <a:t> data</a:t>
+            </a:r>
+          </a:p>
+        </p:txBody>
+      </p:sp>
+      <p:pic>
+        <p:nvPicPr>
+          <p:cNvPr id="6" name="Picture 5">
+            <a:extLst>
+              <a:ext uri="{FF2B5EF4-FFF2-40B4-BE49-F238E27FC236}">
+                <a16:creationId xmlns:a16="http://schemas.microsoft.com/office/drawing/2014/main" id="{6611E6E3-F0F4-0D97-8827-135E86DCD559}"/>
+              </a:ext>
+            </a:extLst>
+          </p:cNvPr>
+          <p:cNvPicPr>
+            <a:picLocks noChangeAspect="1"/>
+          </p:cNvPicPr>
+          <p:nvPr/>
+        </p:nvPicPr>
+        <p:blipFill>
+          <a:blip r:embed="rId3"/>
+          <a:stretch>
+            <a:fillRect/>
+          </a:stretch>
+        </p:blipFill>
+        <p:spPr>
+          <a:xfrm>
+            <a:off x="191907" y="2429164"/>
+            <a:ext cx="4088395" cy="2299722"/>
+          </a:xfrm>
+          <a:prstGeom prst="rect">
+            <a:avLst/>
+          </a:prstGeom>
+        </p:spPr>
+      </p:pic>
+    </p:spTree>
+    <p:extLst>
+      <p:ext uri="{BB962C8B-B14F-4D97-AF65-F5344CB8AC3E}">
+        <p14:creationId xmlns:p14="http://schemas.microsoft.com/office/powerpoint/2010/main" val="2335603065"/>
+      </p:ext>
+    </p:extLst>
+  </p:cSld>
+  <p:clrMapOvr>
+    <a:masterClrMapping/>
+  </p:clrMapOvr>
+</p:sld>
+</file>
+
+<file path=ppt/slides/slide11.xml><?xml version="1.0" encoding="utf-8"?>
+<p:sld xmlns:a="http://schemas.openxmlformats.org/drawingml/2006/main" xmlns:r="http://schemas.openxmlformats.org/officeDocument/2006/relationships" xmlns:p="http://schemas.openxmlformats.org/presentationml/2006/main">
+  <p:cSld>
+    <p:spTree>
+      <p:nvGrpSpPr>
         <p:cNvPr id="1" name="Shape 751">
           <a:extLst>
             <a:ext uri="{FF2B5EF4-FFF2-40B4-BE49-F238E27FC236}">
@@ -10818,7 +11787,7 @@
 </p:sld>
 </file>
 
-<file path=ppt/slides/slide11.xml><?xml version="1.0" encoding="utf-8"?>
+<file path=ppt/slides/slide12.xml><?xml version="1.0" encoding="utf-8"?>
 <p:sld xmlns:a="http://schemas.openxmlformats.org/drawingml/2006/main" xmlns:r="http://schemas.openxmlformats.org/officeDocument/2006/relationships" xmlns:p="http://schemas.openxmlformats.org/presentationml/2006/main">
   <p:cSld>
     <p:spTree>
@@ -13499,7 +14468,7 @@
 </p:sld>
 </file>
 
-<file path=ppt/slides/slide12.xml><?xml version="1.0" encoding="utf-8"?>
+<file path=ppt/slides/slide13.xml><?xml version="1.0" encoding="utf-8"?>
 <p:sld xmlns:a="http://schemas.openxmlformats.org/drawingml/2006/main" xmlns:r="http://schemas.openxmlformats.org/officeDocument/2006/relationships" xmlns:p="http://schemas.openxmlformats.org/presentationml/2006/main">
   <p:cSld>
     <p:spTree>
@@ -13890,7 +14859,7 @@
 </p:sld>
 </file>
 
-<file path=ppt/slides/slide13.xml><?xml version="1.0" encoding="utf-8"?>
+<file path=ppt/slides/slide14.xml><?xml version="1.0" encoding="utf-8"?>
 <p:sld xmlns:a="http://schemas.openxmlformats.org/drawingml/2006/main" xmlns:r="http://schemas.openxmlformats.org/officeDocument/2006/relationships" xmlns:p="http://schemas.openxmlformats.org/presentationml/2006/main">
   <p:cSld>
     <p:spTree>
@@ -14170,7 +15139,7 @@
 </p:sld>
 </file>
 
-<file path=ppt/slides/slide14.xml><?xml version="1.0" encoding="utf-8"?>
+<file path=ppt/slides/slide15.xml><?xml version="1.0" encoding="utf-8"?>
 <p:sld xmlns:a="http://schemas.openxmlformats.org/drawingml/2006/main" xmlns:r="http://schemas.openxmlformats.org/officeDocument/2006/relationships" xmlns:p="http://schemas.openxmlformats.org/presentationml/2006/main">
   <p:cSld>
     <p:spTree>

--- a/Portopolio Disya.pptx
+++ b/Portopolio Disya.pptx
@@ -10420,8 +10420,8 @@
               <a:buNone/>
             </a:pPr>
             <a:r>
-              <a:rPr lang="en" dirty="0"/>
-              <a:t>PROJECT 06</a:t>
+              <a:rPr lang="en"/>
+              <a:t>PROJECT 07</a:t>
             </a:r>
             <a:endParaRPr dirty="0"/>
           </a:p>
